--- a/Sudoku/C++_프로젝트_스도쿠게임.pptx
+++ b/Sudoku/C++_프로젝트_스도쿠게임.pptx
@@ -20,10 +20,10 @@
     <p:sldId id="3589" r:id="rId8"/>
     <p:sldId id="3587" r:id="rId9"/>
     <p:sldId id="3584" r:id="rId10"/>
-    <p:sldId id="3585" r:id="rId11"/>
-    <p:sldId id="3586" r:id="rId12"/>
-    <p:sldId id="3580" r:id="rId13"/>
-    <p:sldId id="3579" r:id="rId14"/>
+    <p:sldId id="3586" r:id="rId11"/>
+    <p:sldId id="3579" r:id="rId12"/>
+    <p:sldId id="3590" r:id="rId13"/>
+    <p:sldId id="3591" r:id="rId14"/>
     <p:sldId id="3582" r:id="rId15"/>
     <p:sldId id="3583" r:id="rId16"/>
   </p:sldIdLst>
@@ -248,7 +248,7 @@
           <a:p>
             <a:fld id="{CFBC16ED-C981-4996-AD69-562AFDF045D8}" type="datetimeFigureOut">
               <a:rPr lang="zh-CN" altLang="en-US" smtClean="0"/>
-              <a:t>2024/2/12</a:t>
+              <a:t>2024/2/13</a:t>
             </a:fld>
             <a:endParaRPr lang="zh-CN" altLang="en-US"/>
           </a:p>
@@ -425,7 +425,7 @@
           <a:p>
             <a:fld id="{3A6DFB1D-ABE1-43A9-9A76-5F7CC388CE20}" type="datetimeFigureOut">
               <a:rPr lang="zh-CN" altLang="en-US" smtClean="0"/>
-              <a:t>2024/2/12</a:t>
+              <a:t>2024/2/13</a:t>
             </a:fld>
             <a:endParaRPr lang="zh-CN" altLang="en-US"/>
           </a:p>
@@ -1179,7 +1179,7 @@
     </p:spTree>
     <p:extLst>
       <p:ext uri="{BB962C8B-B14F-4D97-AF65-F5344CB8AC3E}">
-        <p14:creationId xmlns:p14="http://schemas.microsoft.com/office/powerpoint/2010/main" val="3511415369"/>
+        <p14:creationId xmlns:p14="http://schemas.microsoft.com/office/powerpoint/2010/main" val="57681840"/>
       </p:ext>
     </p:extLst>
   </p:cSld>
@@ -1306,7 +1306,7 @@
         <p14:prism/>
       </p:transition>
     </mc:Choice>
-    <mc:Fallback xmlns="" xmlns:m="http://schemas.openxmlformats.org/officeDocument/2006/math" xmlns:w="http://schemas.openxmlformats.org/wordprocessingml/2006/main" xmlns:wp="http://schemas.openxmlformats.org/drawingml/2006/wordprocessingDrawing" xmlns:a14="http://schemas.microsoft.com/office/drawing/2010/main" xmlns:p15="http://schemas.microsoft.com/office/powerpoint/2012/main" xmlns:p159="http://schemas.microsoft.com/office/powerpoint/2015/09/main">
+    <mc:Fallback xmlns:p159="http://schemas.microsoft.com/office/powerpoint/2015/09/main" xmlns:p15="http://schemas.microsoft.com/office/powerpoint/2012/main" xmlns:a14="http://schemas.microsoft.com/office/drawing/2010/main" xmlns:wp="http://schemas.openxmlformats.org/drawingml/2006/wordprocessingDrawing" xmlns:w="http://schemas.openxmlformats.org/wordprocessingml/2006/main" xmlns:m="http://schemas.openxmlformats.org/officeDocument/2006/math" xmlns="">
       <p:transition spd="slow" advTm="2000">
         <p:fade/>
       </p:transition>
@@ -1348,7 +1348,7 @@
         <p14:prism/>
       </p:transition>
     </mc:Choice>
-    <mc:Fallback xmlns="" xmlns:m="http://schemas.openxmlformats.org/officeDocument/2006/math" xmlns:w="http://schemas.openxmlformats.org/wordprocessingml/2006/main" xmlns:wp="http://schemas.openxmlformats.org/drawingml/2006/wordprocessingDrawing" xmlns:a14="http://schemas.microsoft.com/office/drawing/2010/main" xmlns:p15="http://schemas.microsoft.com/office/powerpoint/2012/main" xmlns:p159="http://schemas.microsoft.com/office/powerpoint/2015/09/main">
+    <mc:Fallback xmlns:p159="http://schemas.microsoft.com/office/powerpoint/2015/09/main" xmlns:p15="http://schemas.microsoft.com/office/powerpoint/2012/main" xmlns:a14="http://schemas.microsoft.com/office/drawing/2010/main" xmlns:wp="http://schemas.openxmlformats.org/drawingml/2006/wordprocessingDrawing" xmlns:w="http://schemas.openxmlformats.org/wordprocessingml/2006/main" xmlns:m="http://schemas.openxmlformats.org/officeDocument/2006/math" xmlns="">
       <p:transition spd="slow" advTm="2000">
         <p:fade/>
       </p:transition>
@@ -1390,7 +1390,7 @@
         <p14:prism/>
       </p:transition>
     </mc:Choice>
-    <mc:Fallback xmlns="" xmlns:m="http://schemas.openxmlformats.org/officeDocument/2006/math" xmlns:w="http://schemas.openxmlformats.org/wordprocessingml/2006/main" xmlns:wp="http://schemas.openxmlformats.org/drawingml/2006/wordprocessingDrawing" xmlns:a14="http://schemas.microsoft.com/office/drawing/2010/main" xmlns:p15="http://schemas.microsoft.com/office/powerpoint/2012/main" xmlns:p159="http://schemas.microsoft.com/office/powerpoint/2015/09/main">
+    <mc:Fallback xmlns:p159="http://schemas.microsoft.com/office/powerpoint/2015/09/main" xmlns:p15="http://schemas.microsoft.com/office/powerpoint/2012/main" xmlns:a14="http://schemas.microsoft.com/office/drawing/2010/main" xmlns:wp="http://schemas.openxmlformats.org/drawingml/2006/wordprocessingDrawing" xmlns:w="http://schemas.openxmlformats.org/wordprocessingml/2006/main" xmlns:m="http://schemas.openxmlformats.org/officeDocument/2006/math" xmlns="">
       <p:transition spd="slow" advTm="2000">
         <p:fade/>
       </p:transition>
@@ -1432,7 +1432,7 @@
         <p14:prism/>
       </p:transition>
     </mc:Choice>
-    <mc:Fallback xmlns="" xmlns:m="http://schemas.openxmlformats.org/officeDocument/2006/math" xmlns:w="http://schemas.openxmlformats.org/wordprocessingml/2006/main" xmlns:wp="http://schemas.openxmlformats.org/drawingml/2006/wordprocessingDrawing" xmlns:a14="http://schemas.microsoft.com/office/drawing/2010/main" xmlns:p15="http://schemas.microsoft.com/office/powerpoint/2012/main" xmlns:p159="http://schemas.microsoft.com/office/powerpoint/2015/09/main">
+    <mc:Fallback xmlns:p159="http://schemas.microsoft.com/office/powerpoint/2015/09/main" xmlns:p15="http://schemas.microsoft.com/office/powerpoint/2012/main" xmlns:a14="http://schemas.microsoft.com/office/drawing/2010/main" xmlns:wp="http://schemas.openxmlformats.org/drawingml/2006/wordprocessingDrawing" xmlns:w="http://schemas.openxmlformats.org/wordprocessingml/2006/main" xmlns:m="http://schemas.openxmlformats.org/officeDocument/2006/math" xmlns="">
       <p:transition spd="slow" advTm="2000">
         <p:fade/>
       </p:transition>
@@ -1474,7 +1474,7 @@
         <p14:prism/>
       </p:transition>
     </mc:Choice>
-    <mc:Fallback xmlns="" xmlns:m="http://schemas.openxmlformats.org/officeDocument/2006/math" xmlns:w="http://schemas.openxmlformats.org/wordprocessingml/2006/main" xmlns:wp="http://schemas.openxmlformats.org/drawingml/2006/wordprocessingDrawing" xmlns:a14="http://schemas.microsoft.com/office/drawing/2010/main" xmlns:p15="http://schemas.microsoft.com/office/powerpoint/2012/main" xmlns:p159="http://schemas.microsoft.com/office/powerpoint/2015/09/main">
+    <mc:Fallback xmlns:p159="http://schemas.microsoft.com/office/powerpoint/2015/09/main" xmlns:p15="http://schemas.microsoft.com/office/powerpoint/2012/main" xmlns:a14="http://schemas.microsoft.com/office/drawing/2010/main" xmlns:wp="http://schemas.openxmlformats.org/drawingml/2006/wordprocessingDrawing" xmlns:w="http://schemas.openxmlformats.org/wordprocessingml/2006/main" xmlns:m="http://schemas.openxmlformats.org/officeDocument/2006/math" xmlns="">
       <p:transition spd="slow" advTm="2000">
         <p:fade/>
       </p:transition>
@@ -1546,7 +1546,7 @@
         <p14:prism/>
       </p:transition>
     </mc:Choice>
-    <mc:Fallback xmlns="" xmlns:m="http://schemas.openxmlformats.org/officeDocument/2006/math" xmlns:w="http://schemas.openxmlformats.org/wordprocessingml/2006/main" xmlns:wp="http://schemas.openxmlformats.org/drawingml/2006/wordprocessingDrawing" xmlns:a14="http://schemas.microsoft.com/office/drawing/2010/main" xmlns:p15="http://schemas.microsoft.com/office/powerpoint/2012/main" xmlns:p159="http://schemas.microsoft.com/office/powerpoint/2015/09/main">
+    <mc:Fallback xmlns:p159="http://schemas.microsoft.com/office/powerpoint/2015/09/main" xmlns:p15="http://schemas.microsoft.com/office/powerpoint/2012/main" xmlns:a14="http://schemas.microsoft.com/office/drawing/2010/main" xmlns:wp="http://schemas.openxmlformats.org/drawingml/2006/wordprocessingDrawing" xmlns:w="http://schemas.openxmlformats.org/wordprocessingml/2006/main" xmlns:m="http://schemas.openxmlformats.org/officeDocument/2006/math" xmlns="">
       <p:transition spd="slow" advTm="2000">
         <p:fade/>
       </p:transition>
@@ -1743,7 +1743,7 @@
         <p:fade/>
       </p:transition>
     </mc:Choice>
-    <mc:Fallback xmlns="" xmlns:m="http://schemas.openxmlformats.org/officeDocument/2006/math" xmlns:w="http://schemas.openxmlformats.org/wordprocessingml/2006/main" xmlns:wp="http://schemas.openxmlformats.org/drawingml/2006/wordprocessingDrawing" xmlns:a14="http://schemas.microsoft.com/office/drawing/2010/main" xmlns:p15="http://schemas.microsoft.com/office/powerpoint/2012/main" xmlns:p159="http://schemas.microsoft.com/office/powerpoint/2015/09/main">
+    <mc:Fallback xmlns:p159="http://schemas.microsoft.com/office/powerpoint/2015/09/main" xmlns:p15="http://schemas.microsoft.com/office/powerpoint/2012/main" xmlns:a14="http://schemas.microsoft.com/office/drawing/2010/main" xmlns:wp="http://schemas.openxmlformats.org/drawingml/2006/wordprocessingDrawing" xmlns:w="http://schemas.openxmlformats.org/wordprocessingml/2006/main" xmlns:m="http://schemas.openxmlformats.org/officeDocument/2006/math" xmlns="">
       <p:transition spd="med" advTm="2000">
         <p:fade/>
       </p:transition>
@@ -2145,7 +2145,7 @@
         <p:fade/>
       </p:transition>
     </mc:Choice>
-    <mc:Fallback xmlns="" xmlns:m="http://schemas.openxmlformats.org/officeDocument/2006/math" xmlns:w="http://schemas.openxmlformats.org/wordprocessingml/2006/main" xmlns:wp="http://schemas.openxmlformats.org/drawingml/2006/wordprocessingDrawing" xmlns:a14="http://schemas.microsoft.com/office/drawing/2010/main" xmlns:p15="http://schemas.microsoft.com/office/powerpoint/2012/main" xmlns:p159="http://schemas.microsoft.com/office/powerpoint/2015/09/main">
+    <mc:Fallback xmlns:p159="http://schemas.microsoft.com/office/powerpoint/2015/09/main" xmlns:p15="http://schemas.microsoft.com/office/powerpoint/2012/main" xmlns:a14="http://schemas.microsoft.com/office/drawing/2010/main" xmlns:wp="http://schemas.openxmlformats.org/drawingml/2006/wordprocessingDrawing" xmlns:w="http://schemas.openxmlformats.org/wordprocessingml/2006/main" xmlns:m="http://schemas.openxmlformats.org/officeDocument/2006/math" xmlns="">
       <p:transition spd="med" advTm="2000">
         <p:fade/>
       </p:transition>
@@ -2882,7 +2882,7 @@
                 <a:latin typeface="NanumGothic"/>
                 <a:ea typeface="NanumGothic"/>
               </a:rPr>
-              <a:t>02/12/2024</a:t>
+              <a:t>02/13/2024</a:t>
             </a:fld>
             <a:endParaRPr lang="zh-CN" altLang="en-US"/>
           </a:p>
@@ -2993,7 +2993,7 @@
         <p14:prism/>
       </p:transition>
     </mc:Choice>
-    <mc:Fallback xmlns="" xmlns:m="http://schemas.openxmlformats.org/officeDocument/2006/math" xmlns:w="http://schemas.openxmlformats.org/wordprocessingml/2006/main" xmlns:wp="http://schemas.openxmlformats.org/drawingml/2006/wordprocessingDrawing" xmlns:a14="http://schemas.microsoft.com/office/drawing/2010/main" xmlns:p15="http://schemas.microsoft.com/office/powerpoint/2012/main" xmlns:p159="http://schemas.microsoft.com/office/powerpoint/2015/09/main">
+    <mc:Fallback xmlns:p159="http://schemas.microsoft.com/office/powerpoint/2015/09/main" xmlns:p15="http://schemas.microsoft.com/office/powerpoint/2012/main" xmlns:a14="http://schemas.microsoft.com/office/drawing/2010/main" xmlns:wp="http://schemas.openxmlformats.org/drawingml/2006/wordprocessingDrawing" xmlns:w="http://schemas.openxmlformats.org/wordprocessingml/2006/main" xmlns:m="http://schemas.openxmlformats.org/officeDocument/2006/math" xmlns="">
       <p:transition spd="slow" advTm="2000">
         <p:fade/>
       </p:transition>
@@ -3325,7 +3325,7 @@
         <p:fade/>
       </p:transition>
     </mc:Choice>
-    <mc:Fallback xmlns="" xmlns:m="http://schemas.openxmlformats.org/officeDocument/2006/math" xmlns:w="http://schemas.openxmlformats.org/wordprocessingml/2006/main" xmlns:wp="http://schemas.openxmlformats.org/drawingml/2006/wordprocessingDrawing" xmlns:a14="http://schemas.microsoft.com/office/drawing/2010/main" xmlns:p15="http://schemas.microsoft.com/office/powerpoint/2012/main" xmlns:p159="http://schemas.microsoft.com/office/powerpoint/2015/09/main">
+    <mc:Fallback xmlns:p159="http://schemas.microsoft.com/office/powerpoint/2015/09/main" xmlns:p15="http://schemas.microsoft.com/office/powerpoint/2012/main" xmlns:a14="http://schemas.microsoft.com/office/drawing/2010/main" xmlns:wp="http://schemas.openxmlformats.org/drawingml/2006/wordprocessingDrawing" xmlns:w="http://schemas.openxmlformats.org/wordprocessingml/2006/main" xmlns:m="http://schemas.openxmlformats.org/officeDocument/2006/math" xmlns="">
       <p:transition spd="med" advTm="2000">
         <p:fade/>
       </p:transition>
@@ -5026,7 +5026,7 @@
         <p14:vortex dir="r"/>
       </p:transition>
     </mc:Choice>
-    <mc:Fallback xmlns="" xmlns:m="http://schemas.openxmlformats.org/officeDocument/2006/math" xmlns:w="http://schemas.openxmlformats.org/wordprocessingml/2006/main" xmlns:wp="http://schemas.openxmlformats.org/drawingml/2006/wordprocessingDrawing" xmlns:a14="http://schemas.microsoft.com/office/drawing/2010/main" xmlns:p15="http://schemas.microsoft.com/office/powerpoint/2012/main" xmlns:p159="http://schemas.microsoft.com/office/powerpoint/2015/09/main">
+    <mc:Fallback xmlns:p159="http://schemas.microsoft.com/office/powerpoint/2015/09/main" xmlns:p15="http://schemas.microsoft.com/office/powerpoint/2012/main" xmlns:a14="http://schemas.microsoft.com/office/drawing/2010/main" xmlns:wp="http://schemas.openxmlformats.org/drawingml/2006/wordprocessingDrawing" xmlns:w="http://schemas.openxmlformats.org/wordprocessingml/2006/main" xmlns:m="http://schemas.openxmlformats.org/officeDocument/2006/math" xmlns="">
       <p:transition spd="slow" advTm="2000">
         <p:fade/>
       </p:transition>
@@ -5415,7 +5415,7 @@
         </p:nvSpPr>
         <p:spPr>
           <a:xfrm>
-            <a:off x="857464" y="252552"/>
+            <a:off x="827161" y="224657"/>
             <a:ext cx="3878003" cy="754334"/>
           </a:xfrm>
           <a:prstGeom prst="rect">
@@ -5434,31 +5434,7 @@
                 <a:ea typeface="NanumGothic"/>
                 <a:sym typeface="思源黑体旧字形 Light" panose="020B0300000000000000" pitchFamily="34" charset="-128"/>
               </a:rPr>
-              <a:t>코드</a:t>
-            </a:r>
-            <a:r>
-              <a:rPr lang="en-US" altLang="ko-KR" sz="3200" b="1" dirty="0" smtClean="0">
-                <a:latin typeface="NanumGothic"/>
-                <a:ea typeface="NanumGothic"/>
-                <a:sym typeface="思源黑体旧字形 Light" panose="020B0300000000000000" pitchFamily="34" charset="-128"/>
-              </a:rPr>
-              <a:t>(</a:t>
-            </a:r>
-            <a:r>
-              <a:rPr lang="ko-KR" altLang="en-US" sz="3200" b="1" dirty="0" smtClean="0">
-                <a:latin typeface="NanumGothic"/>
-                <a:ea typeface="NanumGothic"/>
-                <a:sym typeface="思源黑体旧字形 Light" panose="020B0300000000000000" pitchFamily="34" charset="-128"/>
-              </a:rPr>
-              <a:t>함수</a:t>
-            </a:r>
-            <a:r>
-              <a:rPr lang="en-US" altLang="ko-KR" sz="3200" b="1" dirty="0" smtClean="0">
-                <a:latin typeface="NanumGothic"/>
-                <a:ea typeface="NanumGothic"/>
-                <a:sym typeface="思源黑体旧字形 Light" panose="020B0300000000000000" pitchFamily="34" charset="-128"/>
-              </a:rPr>
-              <a:t>)</a:t>
+              <a:t>코드 시연</a:t>
             </a:r>
             <a:endParaRPr lang="ko-KO" altLang="ko-KO" sz="3200" b="1" dirty="0">
               <a:latin typeface="NanumGothic"/>
@@ -5468,23 +5444,80 @@
           </a:p>
         </p:txBody>
       </p:sp>
+      <p:sp>
+        <p:nvSpPr>
+          <p:cNvPr id="4" name="실행 단추: 동영상 3">
+            <a:hlinkClick r:id="rId2" action="ppaction://program" highlightClick="1"/>
+          </p:cNvPr>
+          <p:cNvSpPr/>
+          <p:nvPr/>
+        </p:nvSpPr>
+        <p:spPr>
+          <a:xfrm>
+            <a:off x="7910004" y="2618912"/>
+            <a:ext cx="1376038" cy="1145220"/>
+          </a:xfrm>
+          <a:prstGeom prst="actionButtonMovie">
+            <a:avLst/>
+          </a:prstGeom>
+          <a:solidFill>
+            <a:srgbClr val="00B050"/>
+          </a:solidFill>
+          <a:ln>
+            <a:solidFill>
+              <a:schemeClr val="bg1"/>
+            </a:solidFill>
+          </a:ln>
+          <a:effectLst>
+            <a:outerShdw blurRad="50800" dist="38100" dir="18900000" algn="bl" rotWithShape="0">
+              <a:prstClr val="black">
+                <a:alpha val="40000"/>
+              </a:prstClr>
+            </a:outerShdw>
+          </a:effectLst>
+        </p:spPr>
+        <p:style>
+          <a:lnRef idx="2">
+            <a:schemeClr val="accent1">
+              <a:shade val="50000"/>
+            </a:schemeClr>
+          </a:lnRef>
+          <a:fillRef idx="1">
+            <a:schemeClr val="accent1"/>
+          </a:fillRef>
+          <a:effectRef idx="0">
+            <a:schemeClr val="accent1"/>
+          </a:effectRef>
+          <a:fontRef idx="minor">
+            <a:schemeClr val="lt1"/>
+          </a:fontRef>
+        </p:style>
+        <p:txBody>
+          <a:bodyPr rtlCol="0" anchor="ctr"/>
+          <a:lstStyle/>
+          <a:p>
+            <a:pPr algn="ctr"/>
+            <a:endParaRPr lang="ko-KR" altLang="en-US"/>
+          </a:p>
+        </p:txBody>
+      </p:sp>
       <p:pic>
         <p:nvPicPr>
-          <p:cNvPr id="3" name="그림 2"/>
+          <p:cNvPr id="6" name="그림 5"/>
           <p:cNvPicPr>
             <a:picLocks noChangeAspect="1"/>
           </p:cNvPicPr>
           <p:nvPr/>
         </p:nvPicPr>
         <p:blipFill rotWithShape="1">
-          <a:blip r:embed="rId2"/>
-          <a:srcRect r="31969"/>
+          <a:blip r:embed="rId3"/>
+          <a:srcRect r="31209"/>
           <a:stretch/>
         </p:blipFill>
         <p:spPr>
           <a:xfrm>
-            <a:off x="857464" y="1319771"/>
-            <a:ext cx="5098347" cy="4082653"/>
+            <a:off x="1369139" y="872460"/>
+            <a:ext cx="3700701" cy="2344711"/>
           </a:xfrm>
           <a:prstGeom prst="rect">
             <a:avLst/>
@@ -5493,32 +5526,139 @@
       </p:pic>
       <p:pic>
         <p:nvPicPr>
-          <p:cNvPr id="4" name="그림 3"/>
+          <p:cNvPr id="7" name="그림 6"/>
           <p:cNvPicPr>
             <a:picLocks noChangeAspect="1"/>
           </p:cNvPicPr>
           <p:nvPr/>
         </p:nvPicPr>
-        <p:blipFill>
-          <a:blip r:embed="rId3"/>
-          <a:stretch>
-            <a:fillRect/>
-          </a:stretch>
+        <p:blipFill rotWithShape="1">
+          <a:blip r:embed="rId4"/>
+          <a:srcRect r="35503"/>
+          <a:stretch/>
         </p:blipFill>
         <p:spPr>
           <a:xfrm>
-            <a:off x="7016620" y="435950"/>
-            <a:ext cx="4011083" cy="5919581"/>
+            <a:off x="1369139" y="3634915"/>
+            <a:ext cx="3700701" cy="2364856"/>
           </a:xfrm>
           <a:prstGeom prst="rect">
             <a:avLst/>
           </a:prstGeom>
         </p:spPr>
       </p:pic>
+      <p:sp>
+        <p:nvSpPr>
+          <p:cNvPr id="3" name="TextBox 2"/>
+          <p:cNvSpPr txBox="1"/>
+          <p:nvPr/>
+        </p:nvSpPr>
+        <p:spPr>
+          <a:xfrm>
+            <a:off x="2428240" y="3217171"/>
+            <a:ext cx="2428240" cy="400110"/>
+          </a:xfrm>
+          <a:prstGeom prst="rect">
+            <a:avLst/>
+          </a:prstGeom>
+          <a:noFill/>
+        </p:spPr>
+        <p:txBody>
+          <a:bodyPr wrap="square" rtlCol="0">
+            <a:spAutoFit/>
+          </a:bodyPr>
+          <a:lstStyle/>
+          <a:p>
+            <a:r>
+              <a:rPr lang="en-US" altLang="ko-KR" sz="2000" b="1" dirty="0" smtClean="0">
+                <a:solidFill>
+                  <a:srgbClr val="0070C0"/>
+                </a:solidFill>
+              </a:rPr>
+              <a:t>&lt; </a:t>
+            </a:r>
+            <a:r>
+              <a:rPr lang="ko-KR" altLang="en-US" sz="2000" b="1" dirty="0" smtClean="0">
+                <a:solidFill>
+                  <a:srgbClr val="0070C0"/>
+                </a:solidFill>
+              </a:rPr>
+              <a:t>실행 창 </a:t>
+            </a:r>
+            <a:r>
+              <a:rPr lang="en-US" altLang="ko-KR" sz="2000" b="1" dirty="0" smtClean="0">
+                <a:solidFill>
+                  <a:srgbClr val="0070C0"/>
+                </a:solidFill>
+              </a:rPr>
+              <a:t>&gt;</a:t>
+            </a:r>
+            <a:endParaRPr lang="ko-KR" altLang="en-US" sz="2000" b="1" dirty="0">
+              <a:solidFill>
+                <a:srgbClr val="0070C0"/>
+              </a:solidFill>
+            </a:endParaRPr>
+          </a:p>
+        </p:txBody>
+      </p:sp>
+      <p:sp>
+        <p:nvSpPr>
+          <p:cNvPr id="8" name="TextBox 7"/>
+          <p:cNvSpPr txBox="1"/>
+          <p:nvPr/>
+        </p:nvSpPr>
+        <p:spPr>
+          <a:xfrm>
+            <a:off x="2281613" y="6017406"/>
+            <a:ext cx="1875751" cy="369332"/>
+          </a:xfrm>
+          <a:prstGeom prst="rect">
+            <a:avLst/>
+          </a:prstGeom>
+          <a:noFill/>
+        </p:spPr>
+        <p:txBody>
+          <a:bodyPr wrap="square" rtlCol="0">
+            <a:spAutoFit/>
+          </a:bodyPr>
+          <a:lstStyle/>
+          <a:p>
+            <a:r>
+              <a:rPr lang="en-US" altLang="ko-KR" b="1" dirty="0" smtClean="0">
+                <a:solidFill>
+                  <a:srgbClr val="0070C0"/>
+                </a:solidFill>
+              </a:rPr>
+              <a:t>&lt; </a:t>
+            </a:r>
+            <a:r>
+              <a:rPr lang="ko-KR" altLang="en-US" b="1" dirty="0" smtClean="0">
+                <a:solidFill>
+                  <a:srgbClr val="0070C0"/>
+                </a:solidFill>
+              </a:rPr>
+              <a:t>플레이 기록</a:t>
+            </a:r>
+            <a:r>
+              <a:rPr lang="en-US" altLang="ko-KR" b="1" dirty="0" smtClean="0">
+                <a:solidFill>
+                  <a:srgbClr val="0070C0"/>
+                </a:solidFill>
+              </a:rPr>
+              <a:t> &gt;</a:t>
+            </a:r>
+            <a:endParaRPr lang="ko-KR" altLang="en-US" b="1" dirty="0">
+              <a:solidFill>
+                <a:srgbClr val="0070C0"/>
+              </a:solidFill>
+            </a:endParaRPr>
+          </a:p>
+        </p:txBody>
+      </p:sp>
     </p:spTree>
     <p:extLst>
       <p:ext uri="{BB962C8B-B14F-4D97-AF65-F5344CB8AC3E}">
-        <p14:creationId xmlns:p14="http://schemas.microsoft.com/office/powerpoint/2010/main" val="1022195561"/>
+        <p14:creationId xmlns:p14="http://schemas.microsoft.com/office/powerpoint/2010/main" val="596205855"/>
       </p:ext>
     </p:extLst>
   </p:cSld>
@@ -5531,7 +5671,7 @@
         <p14:prism/>
       </p:transition>
     </mc:Choice>
-    <mc:Fallback xmlns="" xmlns:m="http://schemas.openxmlformats.org/officeDocument/2006/math" xmlns:w="http://schemas.openxmlformats.org/wordprocessingml/2006/main" xmlns:wp="http://schemas.openxmlformats.org/drawingml/2006/wordprocessingDrawing" xmlns:a14="http://schemas.microsoft.com/office/drawing/2010/main" xmlns:p15="http://schemas.microsoft.com/office/powerpoint/2012/main" xmlns:p159="http://schemas.microsoft.com/office/powerpoint/2015/09/main">
+    <mc:Fallback xmlns:p159="http://schemas.microsoft.com/office/powerpoint/2015/09/main" xmlns:p15="http://schemas.microsoft.com/office/powerpoint/2012/main" xmlns:a14="http://schemas.microsoft.com/office/drawing/2010/main" xmlns:wp="http://schemas.openxmlformats.org/drawingml/2006/wordprocessingDrawing" xmlns:w="http://schemas.openxmlformats.org/wordprocessingml/2006/main" xmlns:m="http://schemas.openxmlformats.org/officeDocument/2006/math" xmlns="">
       <p:transition spd="slow" advTm="2000">
         <p:fade/>
       </p:transition>
@@ -5642,7 +5782,7 @@
                 <a:ea typeface="NanumGothic"/>
                 <a:sym typeface="思源黑体旧字形 Light" panose="020B0300000000000000" pitchFamily="34" charset="-128"/>
               </a:rPr>
-              <a:t>코드 시연</a:t>
+              <a:t>보완할 점</a:t>
             </a:r>
             <a:endParaRPr lang="ko-KO" altLang="ko-KO" sz="5400" spc="100" dirty="0">
               <a:latin typeface="NanumGothic"/>
@@ -6989,7 +7129,7 @@
           <a:p>
             <a:pPr algn="ctr"/>
             <a:r>
-              <a:rPr lang="en-US" altLang="ko-KO" sz="6600" b="1" spc="100" dirty="0">
+              <a:rPr lang="en-US" altLang="ko-KO" sz="6600" b="1" spc="100" dirty="0" smtClean="0">
                 <a:latin typeface="NanumGothic"/>
                 <a:ea typeface="NanumGothic"/>
                 <a:sym typeface="思源黑体旧字形 Light" panose="020B0300000000000000" pitchFamily="34" charset="-128"/>
@@ -7015,7 +7155,7 @@
     </p:spTree>
     <p:extLst>
       <p:ext uri="{BB962C8B-B14F-4D97-AF65-F5344CB8AC3E}">
-        <p14:creationId xmlns:p14="http://schemas.microsoft.com/office/powerpoint/2010/main" val="1214373680"/>
+        <p14:creationId xmlns:p14="http://schemas.microsoft.com/office/powerpoint/2010/main" val="3775269147"/>
       </p:ext>
     </p:extLst>
   </p:cSld>
@@ -7028,7 +7168,7 @@
         <p:checker/>
       </p:transition>
     </mc:Choice>
-    <mc:Fallback xmlns="" xmlns:m="http://schemas.openxmlformats.org/officeDocument/2006/math" xmlns:w="http://schemas.openxmlformats.org/wordprocessingml/2006/main" xmlns:wp="http://schemas.openxmlformats.org/drawingml/2006/wordprocessingDrawing" xmlns:a14="http://schemas.microsoft.com/office/drawing/2010/main" xmlns:p15="http://schemas.microsoft.com/office/powerpoint/2012/main" xmlns:p159="http://schemas.microsoft.com/office/powerpoint/2015/09/main">
+    <mc:Fallback xmlns:p159="http://schemas.microsoft.com/office/powerpoint/2015/09/main" xmlns:p15="http://schemas.microsoft.com/office/powerpoint/2012/main" xmlns:a14="http://schemas.microsoft.com/office/drawing/2010/main" xmlns:wp="http://schemas.openxmlformats.org/drawingml/2006/wordprocessingDrawing" xmlns:w="http://schemas.openxmlformats.org/wordprocessingml/2006/main" xmlns:m="http://schemas.openxmlformats.org/officeDocument/2006/math" xmlns="">
       <p:transition spd="slow" advTm="2000">
         <p:checker/>
       </p:transition>
@@ -7181,7 +7321,7 @@
       </p:grpSpPr>
       <p:sp>
         <p:nvSpPr>
-          <p:cNvPr id="2" name="矩形 9">
+          <p:cNvPr id="5" name="矩形 9">
             <a:extLst>
               <a:ext uri="{FF2B5EF4-FFF2-40B4-BE49-F238E27FC236}">
                 <a16:creationId xmlns:a16="http://schemas.microsoft.com/office/drawing/2014/main" id="{7A300C78-2589-4F09-B093-850A10B5F87D}"/>
@@ -7212,7 +7352,7 @@
                 <a:ea typeface="NanumGothic"/>
                 <a:sym typeface="思源黑体旧字形 Light" panose="020B0300000000000000" pitchFamily="34" charset="-128"/>
               </a:rPr>
-              <a:t>코드 시연</a:t>
+              <a:t>보완할 점</a:t>
             </a:r>
             <a:endParaRPr lang="ko-KO" altLang="ko-KO" sz="3200" b="1" dirty="0">
               <a:latin typeface="NanumGothic"/>
@@ -7224,117 +7364,14 @@
       </p:sp>
       <p:sp>
         <p:nvSpPr>
-          <p:cNvPr id="4" name="실행 단추: 동영상 3">
-            <a:hlinkClick r:id="rId2" action="ppaction://program" highlightClick="1"/>
-          </p:cNvPr>
-          <p:cNvSpPr/>
-          <p:nvPr/>
-        </p:nvSpPr>
-        <p:spPr>
-          <a:xfrm>
-            <a:off x="7910004" y="2618912"/>
-            <a:ext cx="1376038" cy="1145220"/>
-          </a:xfrm>
-          <a:prstGeom prst="actionButtonMovie">
-            <a:avLst/>
-          </a:prstGeom>
-          <a:solidFill>
-            <a:srgbClr val="00B050"/>
-          </a:solidFill>
-          <a:ln>
-            <a:solidFill>
-              <a:schemeClr val="bg1"/>
-            </a:solidFill>
-          </a:ln>
-          <a:effectLst>
-            <a:outerShdw blurRad="50800" dist="38100" dir="18900000" algn="bl" rotWithShape="0">
-              <a:prstClr val="black">
-                <a:alpha val="40000"/>
-              </a:prstClr>
-            </a:outerShdw>
-          </a:effectLst>
-        </p:spPr>
-        <p:style>
-          <a:lnRef idx="2">
-            <a:schemeClr val="accent1">
-              <a:shade val="50000"/>
-            </a:schemeClr>
-          </a:lnRef>
-          <a:fillRef idx="1">
-            <a:schemeClr val="accent1"/>
-          </a:fillRef>
-          <a:effectRef idx="0">
-            <a:schemeClr val="accent1"/>
-          </a:effectRef>
-          <a:fontRef idx="minor">
-            <a:schemeClr val="lt1"/>
-          </a:fontRef>
-        </p:style>
-        <p:txBody>
-          <a:bodyPr rtlCol="0" anchor="ctr"/>
-          <a:lstStyle/>
-          <a:p>
-            <a:pPr algn="ctr"/>
-            <a:endParaRPr lang="ko-KR" altLang="en-US"/>
-          </a:p>
-        </p:txBody>
-      </p:sp>
-      <p:pic>
-        <p:nvPicPr>
-          <p:cNvPr id="6" name="그림 5"/>
-          <p:cNvPicPr>
-            <a:picLocks noChangeAspect="1"/>
-          </p:cNvPicPr>
-          <p:nvPr/>
-        </p:nvPicPr>
-        <p:blipFill rotWithShape="1">
-          <a:blip r:embed="rId3"/>
-          <a:srcRect r="31209"/>
-          <a:stretch/>
-        </p:blipFill>
-        <p:spPr>
-          <a:xfrm>
-            <a:off x="1369139" y="872460"/>
-            <a:ext cx="3700701" cy="2344711"/>
-          </a:xfrm>
-          <a:prstGeom prst="rect">
-            <a:avLst/>
-          </a:prstGeom>
-        </p:spPr>
-      </p:pic>
-      <p:pic>
-        <p:nvPicPr>
-          <p:cNvPr id="7" name="그림 6"/>
-          <p:cNvPicPr>
-            <a:picLocks noChangeAspect="1"/>
-          </p:cNvPicPr>
-          <p:nvPr/>
-        </p:nvPicPr>
-        <p:blipFill rotWithShape="1">
-          <a:blip r:embed="rId4"/>
-          <a:srcRect r="35503"/>
-          <a:stretch/>
-        </p:blipFill>
-        <p:spPr>
-          <a:xfrm>
-            <a:off x="1369139" y="3634915"/>
-            <a:ext cx="3700701" cy="2364856"/>
-          </a:xfrm>
-          <a:prstGeom prst="rect">
-            <a:avLst/>
-          </a:prstGeom>
-        </p:spPr>
-      </p:pic>
-      <p:sp>
-        <p:nvSpPr>
-          <p:cNvPr id="3" name="TextBox 2"/>
+          <p:cNvPr id="10" name="TextBox 9"/>
           <p:cNvSpPr txBox="1"/>
           <p:nvPr/>
         </p:nvSpPr>
         <p:spPr>
           <a:xfrm>
-            <a:off x="2428240" y="3217171"/>
-            <a:ext cx="2428240" cy="400110"/>
+            <a:off x="1208898" y="1882066"/>
+            <a:ext cx="5831093" cy="3139321"/>
           </a:xfrm>
           <a:prstGeom prst="rect">
             <a:avLst/>
@@ -7348,95 +7385,178 @@
           <a:lstStyle/>
           <a:p>
             <a:r>
-              <a:rPr lang="en-US" altLang="ko-KR" sz="2000" b="1" dirty="0" smtClean="0">
-                <a:solidFill>
-                  <a:srgbClr val="0070C0"/>
-                </a:solidFill>
-              </a:rPr>
-              <a:t>&lt; </a:t>
-            </a:r>
-            <a:r>
-              <a:rPr lang="ko-KR" altLang="en-US" sz="2000" b="1" dirty="0" smtClean="0">
-                <a:solidFill>
-                  <a:srgbClr val="0070C0"/>
-                </a:solidFill>
-              </a:rPr>
-              <a:t>실행 창 </a:t>
-            </a:r>
-            <a:r>
-              <a:rPr lang="en-US" altLang="ko-KR" sz="2000" b="1" dirty="0" smtClean="0">
-                <a:solidFill>
-                  <a:srgbClr val="0070C0"/>
-                </a:solidFill>
-              </a:rPr>
-              <a:t>&gt;</a:t>
-            </a:r>
-            <a:endParaRPr lang="ko-KR" altLang="en-US" sz="2000" b="1" dirty="0">
-              <a:solidFill>
-                <a:srgbClr val="0070C0"/>
-              </a:solidFill>
-            </a:endParaRPr>
+              <a:rPr lang="ko-KR" altLang="en-US" dirty="0" err="1"/>
+              <a:t>스도쿠</a:t>
+            </a:r>
+            <a:r>
+              <a:rPr lang="ko-KR" altLang="en-US" dirty="0"/>
+              <a:t> 게임은 총 </a:t>
+            </a:r>
+            <a:r>
+              <a:rPr lang="en-US" altLang="ko-KR" dirty="0"/>
+              <a:t>81</a:t>
+            </a:r>
+            <a:r>
+              <a:rPr lang="ko-KR" altLang="en-US" dirty="0"/>
+              <a:t>칸 중 약 </a:t>
+            </a:r>
+            <a:r>
+              <a:rPr lang="en-US" altLang="ko-KR" dirty="0"/>
+              <a:t>50</a:t>
+            </a:r>
+            <a:r>
+              <a:rPr lang="ko-KR" altLang="en-US" dirty="0"/>
+              <a:t>칸이 비어 있을 경우</a:t>
+            </a:r>
+            <a:r>
+              <a:rPr lang="en-US" altLang="ko-KR" dirty="0"/>
+              <a:t>, </a:t>
+            </a:r>
+            <a:r>
+              <a:rPr lang="ko-KR" altLang="en-US" dirty="0"/>
+              <a:t>복수의 정답이 나오는 경우가 </a:t>
+            </a:r>
+            <a:r>
+              <a:rPr lang="ko-KR" altLang="en-US" dirty="0" smtClean="0"/>
+              <a:t>있다</a:t>
+            </a:r>
+            <a:r>
+              <a:rPr lang="en-US" altLang="ko-KR" dirty="0" smtClean="0"/>
+              <a:t>.</a:t>
+            </a:r>
           </a:p>
-        </p:txBody>
-      </p:sp>
-      <p:sp>
-        <p:nvSpPr>
-          <p:cNvPr id="8" name="TextBox 7"/>
-          <p:cNvSpPr txBox="1"/>
-          <p:nvPr/>
-        </p:nvSpPr>
-        <p:spPr>
-          <a:xfrm>
-            <a:off x="2281613" y="6017406"/>
-            <a:ext cx="1875751" cy="369332"/>
-          </a:xfrm>
-          <a:prstGeom prst="rect">
-            <a:avLst/>
-          </a:prstGeom>
-          <a:noFill/>
-        </p:spPr>
-        <p:txBody>
-          <a:bodyPr wrap="square" rtlCol="0">
-            <a:spAutoFit/>
-          </a:bodyPr>
-          <a:lstStyle/>
           <a:p>
-            <a:r>
-              <a:rPr lang="en-US" altLang="ko-KR" b="1" dirty="0" smtClean="0">
-                <a:solidFill>
-                  <a:srgbClr val="0070C0"/>
-                </a:solidFill>
-              </a:rPr>
-              <a:t>&lt; </a:t>
-            </a:r>
-            <a:r>
-              <a:rPr lang="ko-KR" altLang="en-US" b="1" dirty="0" smtClean="0">
-                <a:solidFill>
-                  <a:srgbClr val="0070C0"/>
-                </a:solidFill>
-              </a:rPr>
-              <a:t>플레이 기록</a:t>
-            </a:r>
-            <a:r>
-              <a:rPr lang="en-US" altLang="ko-KR" b="1" dirty="0" smtClean="0">
-                <a:solidFill>
-                  <a:srgbClr val="0070C0"/>
-                </a:solidFill>
-              </a:rPr>
-              <a:t> &gt;</a:t>
-            </a:r>
-            <a:endParaRPr lang="ko-KR" altLang="en-US" b="1" dirty="0">
-              <a:solidFill>
-                <a:srgbClr val="0070C0"/>
-              </a:solidFill>
-            </a:endParaRPr>
+            <a:endParaRPr lang="en-US" altLang="ko-KR" dirty="0"/>
+          </a:p>
+          <a:p>
+            <a:r>
+              <a:rPr lang="ko-KR" altLang="en-US" dirty="0"/>
+              <a:t>쉬운 난이도의 </a:t>
+            </a:r>
+            <a:r>
+              <a:rPr lang="ko-KR" altLang="en-US" dirty="0" err="1"/>
+              <a:t>스도쿠는</a:t>
+            </a:r>
+            <a:r>
+              <a:rPr lang="ko-KR" altLang="en-US" dirty="0"/>
+              <a:t> 대체로 </a:t>
+            </a:r>
+            <a:r>
+              <a:rPr lang="en-US" altLang="ko-KR" dirty="0"/>
+              <a:t>20~30</a:t>
+            </a:r>
+            <a:r>
+              <a:rPr lang="ko-KR" altLang="en-US" dirty="0"/>
+              <a:t>개의 빈칸을 가지기 때문에</a:t>
+            </a:r>
+            <a:r>
+              <a:rPr lang="en-US" altLang="ko-KR" dirty="0"/>
+              <a:t>, </a:t>
+            </a:r>
+            <a:r>
+              <a:rPr lang="ko-KR" altLang="en-US" dirty="0"/>
+              <a:t>복수의 정답이 나올 가능성은 거의 </a:t>
+            </a:r>
+            <a:r>
+              <a:rPr lang="ko-KR" altLang="en-US" dirty="0" smtClean="0"/>
+              <a:t>없다</a:t>
+            </a:r>
+            <a:r>
+              <a:rPr lang="en-US" altLang="ko-KR" dirty="0" smtClean="0"/>
+              <a:t>.</a:t>
+            </a:r>
+            <a:endParaRPr lang="en-US" altLang="ko-KR" dirty="0"/>
+          </a:p>
+          <a:p>
+            <a:r>
+              <a:rPr lang="ko-KR" altLang="en-US" dirty="0" smtClean="0"/>
+              <a:t>그러나</a:t>
+            </a:r>
+            <a:r>
+              <a:rPr lang="en-US" altLang="ko-KR" dirty="0"/>
+              <a:t>, </a:t>
+            </a:r>
+            <a:r>
+              <a:rPr lang="ko-KR" altLang="en-US" dirty="0"/>
+              <a:t>고난도의 </a:t>
+            </a:r>
+            <a:r>
+              <a:rPr lang="ko-KR" altLang="en-US" dirty="0" err="1"/>
+              <a:t>스도쿠</a:t>
+            </a:r>
+            <a:r>
+              <a:rPr lang="ko-KR" altLang="en-US" dirty="0"/>
+              <a:t> 문제를 만들 때는 이러한 가능성을 고려해야 </a:t>
+            </a:r>
+            <a:r>
+              <a:rPr lang="ko-KR" altLang="en-US" dirty="0" smtClean="0"/>
+              <a:t>한다</a:t>
+            </a:r>
+            <a:r>
+              <a:rPr lang="en-US" altLang="ko-KR" dirty="0" smtClean="0"/>
+              <a:t>.</a:t>
+            </a:r>
+          </a:p>
+          <a:p>
+            <a:endParaRPr lang="en-US" altLang="ko-KR" dirty="0"/>
+          </a:p>
+          <a:p>
+            <a:r>
+              <a:rPr lang="ko-KR" altLang="en-US" dirty="0"/>
+              <a:t>따라서</a:t>
+            </a:r>
+            <a:r>
+              <a:rPr lang="en-US" altLang="ko-KR" dirty="0"/>
+              <a:t>, </a:t>
+            </a:r>
+            <a:r>
+              <a:rPr lang="ko-KR" altLang="en-US" dirty="0" err="1"/>
+              <a:t>고난이도의</a:t>
+            </a:r>
+            <a:r>
+              <a:rPr lang="ko-KR" altLang="en-US" dirty="0"/>
+              <a:t> </a:t>
+            </a:r>
+            <a:r>
+              <a:rPr lang="ko-KR" altLang="en-US" dirty="0" err="1"/>
+              <a:t>스도쿠</a:t>
+            </a:r>
+            <a:r>
+              <a:rPr lang="ko-KR" altLang="en-US" dirty="0"/>
+              <a:t> 문제를 출제할 때 복수의 정답이 </a:t>
+            </a:r>
+            <a:r>
+              <a:rPr lang="ko-KR" altLang="en-US" dirty="0" smtClean="0"/>
+              <a:t>나오는 경우 </a:t>
+            </a:r>
+            <a:r>
+              <a:rPr lang="ko-KR" altLang="en-US" dirty="0"/>
+              <a:t>어떻게 처리할지에 대해 </a:t>
+            </a:r>
+            <a:r>
+              <a:rPr lang="ko-KR" altLang="en-US" dirty="0" err="1"/>
+              <a:t>심도있게</a:t>
+            </a:r>
+            <a:r>
+              <a:rPr lang="ko-KR" altLang="en-US" dirty="0"/>
+              <a:t> 고민해 보아야 </a:t>
+            </a:r>
+            <a:r>
+              <a:rPr lang="ko-KR" altLang="en-US" dirty="0" smtClean="0"/>
+              <a:t>한다</a:t>
+            </a:r>
+            <a:r>
+              <a:rPr lang="en-US" altLang="ko-KR" dirty="0" smtClean="0"/>
+              <a:t>.</a:t>
+            </a:r>
+            <a:endParaRPr lang="en-US" altLang="ko-KR" dirty="0"/>
           </a:p>
         </p:txBody>
       </p:sp>
     </p:spTree>
     <p:extLst>
       <p:ext uri="{BB962C8B-B14F-4D97-AF65-F5344CB8AC3E}">
-        <p14:creationId xmlns:p14="http://schemas.microsoft.com/office/powerpoint/2010/main" val="596205855"/>
+        <p14:creationId xmlns:p14="http://schemas.microsoft.com/office/powerpoint/2010/main" val="3795447552"/>
       </p:ext>
     </p:extLst>
   </p:cSld>
@@ -7449,7 +7569,7 @@
         <p14:prism/>
       </p:transition>
     </mc:Choice>
-    <mc:Fallback xmlns="" xmlns:m="http://schemas.openxmlformats.org/officeDocument/2006/math" xmlns:w="http://schemas.openxmlformats.org/wordprocessingml/2006/main" xmlns:wp="http://schemas.openxmlformats.org/drawingml/2006/wordprocessingDrawing" xmlns:a14="http://schemas.microsoft.com/office/drawing/2010/main" xmlns:p15="http://schemas.microsoft.com/office/powerpoint/2012/main" xmlns:p159="http://schemas.microsoft.com/office/powerpoint/2015/09/main">
+    <mc:Fallback xmlns:p159="http://schemas.microsoft.com/office/powerpoint/2015/09/main" xmlns:p15="http://schemas.microsoft.com/office/powerpoint/2012/main" xmlns:a14="http://schemas.microsoft.com/office/drawing/2010/main" xmlns:wp="http://schemas.openxmlformats.org/drawingml/2006/wordprocessingDrawing" xmlns:w="http://schemas.openxmlformats.org/wordprocessingml/2006/main" xmlns:m="http://schemas.openxmlformats.org/officeDocument/2006/math" xmlns="">
       <p:transition spd="slow" advTm="2000">
         <p:fade/>
       </p:transition>
@@ -8946,7 +9066,7 @@
         <p:checker/>
       </p:transition>
     </mc:Choice>
-    <mc:Fallback xmlns="" xmlns:m="http://schemas.openxmlformats.org/officeDocument/2006/math" xmlns:w="http://schemas.openxmlformats.org/wordprocessingml/2006/main" xmlns:wp="http://schemas.openxmlformats.org/drawingml/2006/wordprocessingDrawing" xmlns:a14="http://schemas.microsoft.com/office/drawing/2010/main" xmlns:p15="http://schemas.microsoft.com/office/powerpoint/2012/main" xmlns:p159="http://schemas.microsoft.com/office/powerpoint/2015/09/main">
+    <mc:Fallback xmlns:p159="http://schemas.microsoft.com/office/powerpoint/2015/09/main" xmlns:p15="http://schemas.microsoft.com/office/powerpoint/2012/main" xmlns:a14="http://schemas.microsoft.com/office/drawing/2010/main" xmlns:wp="http://schemas.openxmlformats.org/drawingml/2006/wordprocessingDrawing" xmlns:w="http://schemas.openxmlformats.org/wordprocessingml/2006/main" xmlns:m="http://schemas.openxmlformats.org/officeDocument/2006/math" xmlns="">
       <p:transition spd="slow" advTm="2000">
         <p:checker/>
       </p:transition>
@@ -9197,7 +9317,7 @@
         <p14:prism/>
       </p:transition>
     </mc:Choice>
-    <mc:Fallback xmlns="" xmlns:m="http://schemas.openxmlformats.org/officeDocument/2006/math" xmlns:w="http://schemas.openxmlformats.org/wordprocessingml/2006/main" xmlns:wp="http://schemas.openxmlformats.org/drawingml/2006/wordprocessingDrawing" xmlns:a14="http://schemas.microsoft.com/office/drawing/2010/main" xmlns:p15="http://schemas.microsoft.com/office/powerpoint/2012/main" xmlns:p159="http://schemas.microsoft.com/office/powerpoint/2015/09/main">
+    <mc:Fallback xmlns:p159="http://schemas.microsoft.com/office/powerpoint/2015/09/main" xmlns:p15="http://schemas.microsoft.com/office/powerpoint/2012/main" xmlns:a14="http://schemas.microsoft.com/office/drawing/2010/main" xmlns:wp="http://schemas.openxmlformats.org/drawingml/2006/wordprocessingDrawing" xmlns:w="http://schemas.openxmlformats.org/wordprocessingml/2006/main" xmlns:m="http://schemas.openxmlformats.org/officeDocument/2006/math" xmlns="">
       <p:transition spd="slow" advTm="2000">
         <p:fade/>
       </p:transition>
@@ -9872,7 +9992,7 @@
           </p:spPr>
           <p:txBody>
             <a:bodyPr wrap="square" rtlCol="0">
-              <a:normAutofit/>
+              <a:normAutofit fontScale="92500"/>
             </a:bodyPr>
             <a:lstStyle/>
             <a:p>
@@ -9898,7 +10018,7 @@
                   <a:ea typeface="NanumGothic"/>
                   <a:sym typeface="思源黑体旧字形 Light" panose="020B0300000000000000" pitchFamily="34" charset="-128"/>
                 </a:rPr>
-                <a:t>패러다임</a:t>
+                <a:t>코드 시연</a:t>
               </a:r>
               <a:endParaRPr lang="ko-KO" altLang="ko-KO" sz="2800" b="1" spc="100" dirty="0">
                 <a:latin typeface="NanumGothic"/>
@@ -10195,15 +10315,7 @@
                   <a:ea typeface="NanumGothic"/>
                   <a:sym typeface="思源黑体旧字形 Light" panose="020B0300000000000000" pitchFamily="34" charset="-128"/>
                 </a:rPr>
-                <a:t>코드 </a:t>
-              </a:r>
-              <a:r>
-                <a:rPr lang="ko-KR" altLang="en-US" sz="2800" b="1" spc="100" dirty="0">
-                  <a:latin typeface="NanumGothic"/>
-                  <a:ea typeface="NanumGothic"/>
-                  <a:sym typeface="思源黑体旧字形 Light" panose="020B0300000000000000" pitchFamily="34" charset="-128"/>
-                </a:rPr>
-                <a:t>시연</a:t>
+                <a:t>보완할 점</a:t>
               </a:r>
               <a:endParaRPr lang="ko-KO" altLang="ko-KO" sz="2800" b="1" spc="100" dirty="0">
                 <a:latin typeface="NanumGothic"/>
@@ -10527,7 +10639,7 @@
         <p:dissolve/>
       </p:transition>
     </mc:Choice>
-    <mc:Fallback xmlns="" xmlns:m="http://schemas.openxmlformats.org/officeDocument/2006/math" xmlns:w="http://schemas.openxmlformats.org/wordprocessingml/2006/main" xmlns:wp="http://schemas.openxmlformats.org/drawingml/2006/wordprocessingDrawing" xmlns:a14="http://schemas.microsoft.com/office/drawing/2010/main" xmlns:p15="http://schemas.microsoft.com/office/powerpoint/2012/main" xmlns:p159="http://schemas.microsoft.com/office/powerpoint/2015/09/main">
+    <mc:Fallback xmlns:p159="http://schemas.microsoft.com/office/powerpoint/2015/09/main" xmlns:p15="http://schemas.microsoft.com/office/powerpoint/2012/main" xmlns:a14="http://schemas.microsoft.com/office/drawing/2010/main" xmlns:wp="http://schemas.openxmlformats.org/drawingml/2006/wordprocessingDrawing" xmlns:w="http://schemas.openxmlformats.org/wordprocessingml/2006/main" xmlns:m="http://schemas.openxmlformats.org/officeDocument/2006/math" xmlns="">
       <p:transition spd="slow" advTm="2000">
         <p:dissolve/>
       </p:transition>
@@ -12229,7 +12341,7 @@
         <p:checker/>
       </p:transition>
     </mc:Choice>
-    <mc:Fallback xmlns="" xmlns:m="http://schemas.openxmlformats.org/officeDocument/2006/math" xmlns:w="http://schemas.openxmlformats.org/wordprocessingml/2006/main" xmlns:wp="http://schemas.openxmlformats.org/drawingml/2006/wordprocessingDrawing" xmlns:a14="http://schemas.microsoft.com/office/drawing/2010/main" xmlns:p15="http://schemas.microsoft.com/office/powerpoint/2012/main" xmlns:p159="http://schemas.microsoft.com/office/powerpoint/2015/09/main">
+    <mc:Fallback xmlns:p159="http://schemas.microsoft.com/office/powerpoint/2015/09/main" xmlns:p15="http://schemas.microsoft.com/office/powerpoint/2012/main" xmlns:a14="http://schemas.microsoft.com/office/drawing/2010/main" xmlns:wp="http://schemas.openxmlformats.org/drawingml/2006/wordprocessingDrawing" xmlns:w="http://schemas.openxmlformats.org/wordprocessingml/2006/main" xmlns:m="http://schemas.openxmlformats.org/officeDocument/2006/math" xmlns="">
       <p:transition spd="slow" advTm="2000">
         <p:checker/>
       </p:transition>
@@ -12388,8 +12500,8 @@
         </p:nvSpPr>
         <p:spPr>
           <a:xfrm>
-            <a:off x="2032229" y="3365892"/>
-            <a:ext cx="7564532" cy="1348867"/>
+            <a:off x="2032229" y="3365893"/>
+            <a:ext cx="4386326" cy="78644"/>
           </a:xfrm>
           <a:prstGeom prst="rect">
             <a:avLst/>
@@ -12400,66 +12512,6 @@
             <a:noAutofit/>
           </a:bodyPr>
           <a:lstStyle/>
-          <a:p>
-            <a:pPr>
-              <a:lnSpc>
-                <a:spcPct val="120000"/>
-              </a:lnSpc>
-            </a:pPr>
-            <a:r>
-              <a:rPr lang="en-US" altLang="zh-CN" sz="2400" dirty="0" smtClean="0">
-                <a:latin typeface="굴림" panose="020B0600000101010101" pitchFamily="50" charset="-127"/>
-                <a:ea typeface="굴림" panose="020B0600000101010101" pitchFamily="50" charset="-127"/>
-                <a:sym typeface="思源黑体旧字形 Light" panose="020B0300000000000000" pitchFamily="34" charset="-128"/>
-              </a:rPr>
-              <a:t>2. </a:t>
-            </a:r>
-            <a:r>
-              <a:rPr lang="ko-KR" altLang="en-US" sz="2400" dirty="0" smtClean="0"/>
-              <a:t>가로</a:t>
-            </a:r>
-            <a:r>
-              <a:rPr lang="en-US" altLang="ko-KR" sz="2400" dirty="0"/>
-              <a:t>. </a:t>
-            </a:r>
-            <a:r>
-              <a:rPr lang="ko-KR" altLang="en-US" sz="2400" dirty="0"/>
-              <a:t>세로 각 </a:t>
-            </a:r>
-            <a:r>
-              <a:rPr lang="en-US" altLang="ko-KR" sz="2400" dirty="0"/>
-              <a:t>3</a:t>
-            </a:r>
-            <a:r>
-              <a:rPr lang="ko-KR" altLang="en-US" sz="2400" dirty="0"/>
-              <a:t>칸으로 이뤄진 작은 정사각형 속의 </a:t>
-            </a:r>
-            <a:r>
-              <a:rPr lang="en-US" altLang="ko-KR" sz="2400" dirty="0"/>
-              <a:t>9</a:t>
-            </a:r>
-            <a:r>
-              <a:rPr lang="ko-KR" altLang="en-US" sz="2400" dirty="0"/>
-              <a:t>개 칸에도 </a:t>
-            </a:r>
-            <a:r>
-              <a:rPr lang="en-US" altLang="ko-KR" sz="2400" dirty="0"/>
-              <a:t>1~9</a:t>
-            </a:r>
-            <a:r>
-              <a:rPr lang="ko-KR" altLang="en-US" sz="2400" dirty="0"/>
-              <a:t>의 숫자가 겹치지 않게 들어가야 한다</a:t>
-            </a:r>
-            <a:r>
-              <a:rPr lang="en-US" altLang="ko-KR" sz="2400" dirty="0"/>
-              <a:t>.</a:t>
-            </a:r>
-            <a:endParaRPr lang="en-US" altLang="zh-CN" sz="3200" dirty="0">
-              <a:latin typeface="굴림" panose="020B0600000101010101" pitchFamily="50" charset="-127"/>
-              <a:ea typeface="굴림" panose="020B0600000101010101" pitchFamily="50" charset="-127"/>
-              <a:sym typeface="思源黑体旧字形 Light" panose="020B0300000000000000" pitchFamily="34" charset="-128"/>
-            </a:endParaRPr>
-          </a:p>
           <a:p>
             <a:pPr>
               <a:lnSpc>
@@ -12549,8 +12601,8 @@
         </p:nvSpPr>
         <p:spPr>
           <a:xfrm>
-            <a:off x="2032229" y="1902098"/>
-            <a:ext cx="7458000" cy="903245"/>
+            <a:off x="1295382" y="1502720"/>
+            <a:ext cx="4324553" cy="3726345"/>
           </a:xfrm>
           <a:prstGeom prst="rect">
             <a:avLst/>
@@ -12610,7 +12662,19 @@
             </a:r>
             <a:r>
               <a:rPr lang="en-US" altLang="ko-KR" sz="2400" dirty="0" smtClean="0"/>
-              <a:t> (</a:t>
+              <a:t> </a:t>
+            </a:r>
+            <a:endParaRPr lang="en-US" altLang="ko-KR" sz="2400" dirty="0" smtClean="0"/>
+          </a:p>
+          <a:p>
+            <a:pPr>
+              <a:lnSpc>
+                <a:spcPct val="120000"/>
+              </a:lnSpc>
+            </a:pPr>
+            <a:r>
+              <a:rPr lang="en-US" altLang="ko-KR" sz="2400" dirty="0" smtClean="0"/>
+              <a:t>   (</a:t>
             </a:r>
             <a:r>
               <a:rPr lang="ko-KR" altLang="en-US" sz="2400" dirty="0" smtClean="0"/>
@@ -12620,6 +12684,85 @@
               <a:rPr lang="en-US" altLang="ko-KR" sz="2400" dirty="0" smtClean="0"/>
               <a:t>X) </a:t>
             </a:r>
+            <a:endParaRPr lang="en-US" altLang="ko-KR" sz="2400" dirty="0" smtClean="0"/>
+          </a:p>
+          <a:p>
+            <a:pPr marL="342900" indent="-342900">
+              <a:lnSpc>
+                <a:spcPct val="120000"/>
+              </a:lnSpc>
+              <a:buAutoNum type="arabicPeriod"/>
+            </a:pPr>
+            <a:endParaRPr lang="en-US" altLang="ko-KR" sz="2400" dirty="0" smtClean="0"/>
+          </a:p>
+          <a:p>
+            <a:pPr>
+              <a:lnSpc>
+                <a:spcPct val="120000"/>
+              </a:lnSpc>
+            </a:pPr>
+            <a:r>
+              <a:rPr lang="en-US" altLang="zh-CN" sz="2400" dirty="0" smtClean="0">
+                <a:latin typeface="굴림" panose="020B0600000101010101" pitchFamily="50" charset="-127"/>
+                <a:ea typeface="굴림" panose="020B0600000101010101" pitchFamily="50" charset="-127"/>
+                <a:sym typeface="思源黑体旧字形 Light" panose="020B0300000000000000" pitchFamily="34" charset="-128"/>
+              </a:rPr>
+              <a:t>2. </a:t>
+            </a:r>
+            <a:r>
+              <a:rPr lang="ko-KR" altLang="en-US" sz="2400" dirty="0"/>
+              <a:t>가로</a:t>
+            </a:r>
+            <a:r>
+              <a:rPr lang="en-US" altLang="ko-KR" sz="2400" dirty="0"/>
+              <a:t>. </a:t>
+            </a:r>
+            <a:r>
+              <a:rPr lang="ko-KR" altLang="en-US" sz="2400" dirty="0"/>
+              <a:t>세로 각 </a:t>
+            </a:r>
+            <a:r>
+              <a:rPr lang="en-US" altLang="ko-KR" sz="2400" dirty="0"/>
+              <a:t>3</a:t>
+            </a:r>
+            <a:r>
+              <a:rPr lang="ko-KR" altLang="en-US" sz="2400" dirty="0"/>
+              <a:t>칸으로 이뤄진 작은 정사각형 속의 </a:t>
+            </a:r>
+            <a:r>
+              <a:rPr lang="en-US" altLang="ko-KR" sz="2400" dirty="0"/>
+              <a:t>9</a:t>
+            </a:r>
+            <a:r>
+              <a:rPr lang="ko-KR" altLang="en-US" sz="2400" dirty="0"/>
+              <a:t>개 칸에도 </a:t>
+            </a:r>
+            <a:r>
+              <a:rPr lang="en-US" altLang="ko-KR" sz="2400" dirty="0"/>
+              <a:t>1~9</a:t>
+            </a:r>
+            <a:r>
+              <a:rPr lang="ko-KR" altLang="en-US" sz="2400" dirty="0"/>
+              <a:t>의 숫자가 겹치지 않게 들어가야 한다</a:t>
+            </a:r>
+            <a:r>
+              <a:rPr lang="en-US" altLang="ko-KR" sz="2400" dirty="0"/>
+              <a:t>.</a:t>
+            </a:r>
+            <a:endParaRPr lang="en-US" altLang="zh-CN" sz="3200" dirty="0">
+              <a:latin typeface="굴림" panose="020B0600000101010101" pitchFamily="50" charset="-127"/>
+              <a:ea typeface="굴림" panose="020B0600000101010101" pitchFamily="50" charset="-127"/>
+              <a:sym typeface="思源黑体旧字形 Light" panose="020B0300000000000000" pitchFamily="34" charset="-128"/>
+            </a:endParaRPr>
+          </a:p>
+          <a:p>
+            <a:pPr marL="342900" indent="-342900">
+              <a:lnSpc>
+                <a:spcPct val="120000"/>
+              </a:lnSpc>
+              <a:buAutoNum type="arabicPeriod"/>
+            </a:pPr>
+            <a:endParaRPr lang="en-US" altLang="ko-KR" sz="2400" dirty="0" smtClean="0"/>
           </a:p>
         </p:txBody>
       </p:sp>
@@ -12657,6 +12800,1448 @@
           </a:p>
         </p:txBody>
       </p:sp>
+      <p:graphicFrame>
+        <p:nvGraphicFramePr>
+          <p:cNvPr id="2" name="표 1"/>
+          <p:cNvGraphicFramePr>
+            <a:graphicFrameLocks noGrp="1"/>
+          </p:cNvGraphicFramePr>
+          <p:nvPr>
+            <p:extLst>
+              <p:ext uri="{D42A27DB-BD31-4B8C-83A1-F6EECF244321}">
+                <p14:modId xmlns:p14="http://schemas.microsoft.com/office/powerpoint/2010/main" val="1049996671"/>
+              </p:ext>
+            </p:extLst>
+          </p:nvPr>
+        </p:nvGraphicFramePr>
+        <p:xfrm>
+          <a:off x="6976860" y="282811"/>
+          <a:ext cx="3383379" cy="3291840"/>
+        </p:xfrm>
+        <a:graphic>
+          <a:graphicData uri="http://schemas.openxmlformats.org/drawingml/2006/table">
+            <a:tbl>
+              <a:tblPr firstRow="1" bandRow="1">
+                <a:tableStyleId>{5940675A-B579-460E-94D1-54222C63F5DA}</a:tableStyleId>
+              </a:tblPr>
+              <a:tblGrid>
+                <a:gridCol w="375931">
+                  <a:extLst>
+                    <a:ext uri="{9D8B030D-6E8A-4147-A177-3AD203B41FA5}">
+                      <a16:colId xmlns:a16="http://schemas.microsoft.com/office/drawing/2014/main" val="2616559827"/>
+                    </a:ext>
+                  </a:extLst>
+                </a:gridCol>
+                <a:gridCol w="375931">
+                  <a:extLst>
+                    <a:ext uri="{9D8B030D-6E8A-4147-A177-3AD203B41FA5}">
+                      <a16:colId xmlns:a16="http://schemas.microsoft.com/office/drawing/2014/main" val="2381529240"/>
+                    </a:ext>
+                  </a:extLst>
+                </a:gridCol>
+                <a:gridCol w="375931">
+                  <a:extLst>
+                    <a:ext uri="{9D8B030D-6E8A-4147-A177-3AD203B41FA5}">
+                      <a16:colId xmlns:a16="http://schemas.microsoft.com/office/drawing/2014/main" val="2323898404"/>
+                    </a:ext>
+                  </a:extLst>
+                </a:gridCol>
+                <a:gridCol w="375931">
+                  <a:extLst>
+                    <a:ext uri="{9D8B030D-6E8A-4147-A177-3AD203B41FA5}">
+                      <a16:colId xmlns:a16="http://schemas.microsoft.com/office/drawing/2014/main" val="1807696055"/>
+                    </a:ext>
+                  </a:extLst>
+                </a:gridCol>
+                <a:gridCol w="375931">
+                  <a:extLst>
+                    <a:ext uri="{9D8B030D-6E8A-4147-A177-3AD203B41FA5}">
+                      <a16:colId xmlns:a16="http://schemas.microsoft.com/office/drawing/2014/main" val="420738229"/>
+                    </a:ext>
+                  </a:extLst>
+                </a:gridCol>
+                <a:gridCol w="375931">
+                  <a:extLst>
+                    <a:ext uri="{9D8B030D-6E8A-4147-A177-3AD203B41FA5}">
+                      <a16:colId xmlns:a16="http://schemas.microsoft.com/office/drawing/2014/main" val="2200936709"/>
+                    </a:ext>
+                  </a:extLst>
+                </a:gridCol>
+                <a:gridCol w="375931">
+                  <a:extLst>
+                    <a:ext uri="{9D8B030D-6E8A-4147-A177-3AD203B41FA5}">
+                      <a16:colId xmlns:a16="http://schemas.microsoft.com/office/drawing/2014/main" val="4132760197"/>
+                    </a:ext>
+                  </a:extLst>
+                </a:gridCol>
+                <a:gridCol w="375931">
+                  <a:extLst>
+                    <a:ext uri="{9D8B030D-6E8A-4147-A177-3AD203B41FA5}">
+                      <a16:colId xmlns:a16="http://schemas.microsoft.com/office/drawing/2014/main" val="1656995982"/>
+                    </a:ext>
+                  </a:extLst>
+                </a:gridCol>
+                <a:gridCol w="375931">
+                  <a:extLst>
+                    <a:ext uri="{9D8B030D-6E8A-4147-A177-3AD203B41FA5}">
+                      <a16:colId xmlns:a16="http://schemas.microsoft.com/office/drawing/2014/main" val="2879872129"/>
+                    </a:ext>
+                  </a:extLst>
+                </a:gridCol>
+              </a:tblGrid>
+              <a:tr h="264471">
+                <a:tc>
+                  <a:txBody>
+                    <a:bodyPr/>
+                    <a:lstStyle/>
+                    <a:p>
+                      <a:pPr latinLnBrk="1"/>
+                      <a:r>
+                        <a:rPr lang="en-US" altLang="ko-KR" dirty="0" smtClean="0"/>
+                        <a:t>1</a:t>
+                      </a:r>
+                      <a:endParaRPr lang="ko-KR" altLang="en-US" dirty="0"/>
+                    </a:p>
+                  </a:txBody>
+                  <a:tcPr/>
+                </a:tc>
+                <a:tc>
+                  <a:txBody>
+                    <a:bodyPr/>
+                    <a:lstStyle/>
+                    <a:p>
+                      <a:pPr latinLnBrk="1"/>
+                      <a:r>
+                        <a:rPr lang="en-US" altLang="ko-KR" dirty="0" smtClean="0"/>
+                        <a:t>2</a:t>
+                      </a:r>
+                      <a:endParaRPr lang="ko-KR" altLang="en-US" dirty="0"/>
+                    </a:p>
+                  </a:txBody>
+                  <a:tcPr/>
+                </a:tc>
+                <a:tc>
+                  <a:txBody>
+                    <a:bodyPr/>
+                    <a:lstStyle/>
+                    <a:p>
+                      <a:pPr latinLnBrk="1"/>
+                      <a:r>
+                        <a:rPr lang="en-US" altLang="ko-KR" dirty="0" smtClean="0"/>
+                        <a:t>3</a:t>
+                      </a:r>
+                      <a:endParaRPr lang="ko-KR" altLang="en-US" dirty="0"/>
+                    </a:p>
+                  </a:txBody>
+                  <a:tcPr/>
+                </a:tc>
+                <a:tc>
+                  <a:txBody>
+                    <a:bodyPr/>
+                    <a:lstStyle/>
+                    <a:p>
+                      <a:pPr latinLnBrk="1"/>
+                      <a:r>
+                        <a:rPr lang="en-US" altLang="ko-KR" dirty="0" smtClean="0"/>
+                        <a:t>4</a:t>
+                      </a:r>
+                      <a:endParaRPr lang="ko-KR" altLang="en-US" dirty="0"/>
+                    </a:p>
+                  </a:txBody>
+                  <a:tcPr/>
+                </a:tc>
+                <a:tc>
+                  <a:txBody>
+                    <a:bodyPr/>
+                    <a:lstStyle/>
+                    <a:p>
+                      <a:pPr latinLnBrk="1"/>
+                      <a:r>
+                        <a:rPr lang="en-US" altLang="ko-KR" dirty="0" smtClean="0"/>
+                        <a:t>5</a:t>
+                      </a:r>
+                      <a:endParaRPr lang="ko-KR" altLang="en-US" dirty="0"/>
+                    </a:p>
+                  </a:txBody>
+                  <a:tcPr/>
+                </a:tc>
+                <a:tc>
+                  <a:txBody>
+                    <a:bodyPr/>
+                    <a:lstStyle/>
+                    <a:p>
+                      <a:pPr latinLnBrk="1"/>
+                      <a:r>
+                        <a:rPr lang="en-US" altLang="ko-KR" dirty="0" smtClean="0"/>
+                        <a:t>6</a:t>
+                      </a:r>
+                      <a:endParaRPr lang="ko-KR" altLang="en-US" dirty="0"/>
+                    </a:p>
+                  </a:txBody>
+                  <a:tcPr/>
+                </a:tc>
+                <a:tc>
+                  <a:txBody>
+                    <a:bodyPr/>
+                    <a:lstStyle/>
+                    <a:p>
+                      <a:pPr latinLnBrk="1"/>
+                      <a:r>
+                        <a:rPr lang="en-US" altLang="ko-KR" dirty="0" smtClean="0"/>
+                        <a:t>7</a:t>
+                      </a:r>
+                      <a:endParaRPr lang="ko-KR" altLang="en-US" dirty="0"/>
+                    </a:p>
+                  </a:txBody>
+                  <a:tcPr/>
+                </a:tc>
+                <a:tc>
+                  <a:txBody>
+                    <a:bodyPr/>
+                    <a:lstStyle/>
+                    <a:p>
+                      <a:pPr latinLnBrk="1"/>
+                      <a:r>
+                        <a:rPr lang="en-US" altLang="ko-KR" dirty="0" smtClean="0"/>
+                        <a:t>8</a:t>
+                      </a:r>
+                      <a:endParaRPr lang="ko-KR" altLang="en-US" dirty="0"/>
+                    </a:p>
+                  </a:txBody>
+                  <a:tcPr/>
+                </a:tc>
+                <a:tc>
+                  <a:txBody>
+                    <a:bodyPr/>
+                    <a:lstStyle/>
+                    <a:p>
+                      <a:pPr latinLnBrk="1"/>
+                      <a:r>
+                        <a:rPr lang="en-US" altLang="ko-KR" dirty="0" smtClean="0"/>
+                        <a:t>9</a:t>
+                      </a:r>
+                      <a:endParaRPr lang="ko-KR" altLang="en-US" dirty="0"/>
+                    </a:p>
+                  </a:txBody>
+                  <a:tcPr/>
+                </a:tc>
+                <a:extLst>
+                  <a:ext uri="{0D108BD9-81ED-4DB2-BD59-A6C34878D82A}">
+                    <a16:rowId xmlns:a16="http://schemas.microsoft.com/office/drawing/2014/main" val="2200005109"/>
+                  </a:ext>
+                </a:extLst>
+              </a:tr>
+              <a:tr h="264471">
+                <a:tc>
+                  <a:txBody>
+                    <a:bodyPr/>
+                    <a:lstStyle/>
+                    <a:p>
+                      <a:pPr latinLnBrk="1"/>
+                      <a:r>
+                        <a:rPr lang="en-US" altLang="ko-KR" dirty="0" smtClean="0"/>
+                        <a:t>2</a:t>
+                      </a:r>
+                      <a:endParaRPr lang="ko-KR" altLang="en-US" dirty="0"/>
+                    </a:p>
+                  </a:txBody>
+                  <a:tcPr/>
+                </a:tc>
+                <a:tc>
+                  <a:txBody>
+                    <a:bodyPr/>
+                    <a:lstStyle/>
+                    <a:p>
+                      <a:pPr latinLnBrk="1"/>
+                      <a:endParaRPr lang="ko-KR" altLang="en-US"/>
+                    </a:p>
+                  </a:txBody>
+                  <a:tcPr/>
+                </a:tc>
+                <a:tc>
+                  <a:txBody>
+                    <a:bodyPr/>
+                    <a:lstStyle/>
+                    <a:p>
+                      <a:pPr latinLnBrk="1"/>
+                      <a:endParaRPr lang="ko-KR" altLang="en-US"/>
+                    </a:p>
+                  </a:txBody>
+                  <a:tcPr/>
+                </a:tc>
+                <a:tc>
+                  <a:txBody>
+                    <a:bodyPr/>
+                    <a:lstStyle/>
+                    <a:p>
+                      <a:pPr latinLnBrk="1"/>
+                      <a:endParaRPr lang="ko-KR" altLang="en-US"/>
+                    </a:p>
+                  </a:txBody>
+                  <a:tcPr/>
+                </a:tc>
+                <a:tc>
+                  <a:txBody>
+                    <a:bodyPr/>
+                    <a:lstStyle/>
+                    <a:p>
+                      <a:pPr latinLnBrk="1"/>
+                      <a:endParaRPr lang="ko-KR" altLang="en-US"/>
+                    </a:p>
+                  </a:txBody>
+                  <a:tcPr/>
+                </a:tc>
+                <a:tc>
+                  <a:txBody>
+                    <a:bodyPr/>
+                    <a:lstStyle/>
+                    <a:p>
+                      <a:pPr latinLnBrk="1"/>
+                      <a:endParaRPr lang="ko-KR" altLang="en-US"/>
+                    </a:p>
+                  </a:txBody>
+                  <a:tcPr/>
+                </a:tc>
+                <a:tc>
+                  <a:txBody>
+                    <a:bodyPr/>
+                    <a:lstStyle/>
+                    <a:p>
+                      <a:pPr latinLnBrk="1"/>
+                      <a:endParaRPr lang="ko-KR" altLang="en-US"/>
+                    </a:p>
+                  </a:txBody>
+                  <a:tcPr/>
+                </a:tc>
+                <a:tc>
+                  <a:txBody>
+                    <a:bodyPr/>
+                    <a:lstStyle/>
+                    <a:p>
+                      <a:pPr latinLnBrk="1"/>
+                      <a:endParaRPr lang="ko-KR" altLang="en-US"/>
+                    </a:p>
+                  </a:txBody>
+                  <a:tcPr/>
+                </a:tc>
+                <a:tc>
+                  <a:txBody>
+                    <a:bodyPr/>
+                    <a:lstStyle/>
+                    <a:p>
+                      <a:pPr latinLnBrk="1"/>
+                      <a:endParaRPr lang="ko-KR" altLang="en-US"/>
+                    </a:p>
+                  </a:txBody>
+                  <a:tcPr/>
+                </a:tc>
+                <a:extLst>
+                  <a:ext uri="{0D108BD9-81ED-4DB2-BD59-A6C34878D82A}">
+                    <a16:rowId xmlns:a16="http://schemas.microsoft.com/office/drawing/2014/main" val="1660148132"/>
+                  </a:ext>
+                </a:extLst>
+              </a:tr>
+              <a:tr h="264471">
+                <a:tc>
+                  <a:txBody>
+                    <a:bodyPr/>
+                    <a:lstStyle/>
+                    <a:p>
+                      <a:pPr latinLnBrk="1"/>
+                      <a:r>
+                        <a:rPr lang="en-US" altLang="ko-KR" dirty="0" smtClean="0"/>
+                        <a:t>3</a:t>
+                      </a:r>
+                      <a:endParaRPr lang="ko-KR" altLang="en-US" dirty="0"/>
+                    </a:p>
+                  </a:txBody>
+                  <a:tcPr/>
+                </a:tc>
+                <a:tc>
+                  <a:txBody>
+                    <a:bodyPr/>
+                    <a:lstStyle/>
+                    <a:p>
+                      <a:pPr latinLnBrk="1"/>
+                      <a:endParaRPr lang="ko-KR" altLang="en-US"/>
+                    </a:p>
+                  </a:txBody>
+                  <a:tcPr/>
+                </a:tc>
+                <a:tc>
+                  <a:txBody>
+                    <a:bodyPr/>
+                    <a:lstStyle/>
+                    <a:p>
+                      <a:pPr latinLnBrk="1"/>
+                      <a:endParaRPr lang="ko-KR" altLang="en-US"/>
+                    </a:p>
+                  </a:txBody>
+                  <a:tcPr/>
+                </a:tc>
+                <a:tc>
+                  <a:txBody>
+                    <a:bodyPr/>
+                    <a:lstStyle/>
+                    <a:p>
+                      <a:pPr latinLnBrk="1"/>
+                      <a:endParaRPr lang="ko-KR" altLang="en-US"/>
+                    </a:p>
+                  </a:txBody>
+                  <a:tcPr/>
+                </a:tc>
+                <a:tc>
+                  <a:txBody>
+                    <a:bodyPr/>
+                    <a:lstStyle/>
+                    <a:p>
+                      <a:pPr latinLnBrk="1"/>
+                      <a:endParaRPr lang="ko-KR" altLang="en-US"/>
+                    </a:p>
+                  </a:txBody>
+                  <a:tcPr/>
+                </a:tc>
+                <a:tc>
+                  <a:txBody>
+                    <a:bodyPr/>
+                    <a:lstStyle/>
+                    <a:p>
+                      <a:pPr latinLnBrk="1"/>
+                      <a:endParaRPr lang="ko-KR" altLang="en-US" dirty="0"/>
+                    </a:p>
+                  </a:txBody>
+                  <a:tcPr/>
+                </a:tc>
+                <a:tc>
+                  <a:txBody>
+                    <a:bodyPr/>
+                    <a:lstStyle/>
+                    <a:p>
+                      <a:pPr latinLnBrk="1"/>
+                      <a:endParaRPr lang="ko-KR" altLang="en-US"/>
+                    </a:p>
+                  </a:txBody>
+                  <a:tcPr/>
+                </a:tc>
+                <a:tc>
+                  <a:txBody>
+                    <a:bodyPr/>
+                    <a:lstStyle/>
+                    <a:p>
+                      <a:pPr latinLnBrk="1"/>
+                      <a:endParaRPr lang="ko-KR" altLang="en-US"/>
+                    </a:p>
+                  </a:txBody>
+                  <a:tcPr/>
+                </a:tc>
+                <a:tc>
+                  <a:txBody>
+                    <a:bodyPr/>
+                    <a:lstStyle/>
+                    <a:p>
+                      <a:pPr latinLnBrk="1"/>
+                      <a:endParaRPr lang="ko-KR" altLang="en-US"/>
+                    </a:p>
+                  </a:txBody>
+                  <a:tcPr/>
+                </a:tc>
+                <a:extLst>
+                  <a:ext uri="{0D108BD9-81ED-4DB2-BD59-A6C34878D82A}">
+                    <a16:rowId xmlns:a16="http://schemas.microsoft.com/office/drawing/2014/main" val="491322247"/>
+                  </a:ext>
+                </a:extLst>
+              </a:tr>
+              <a:tr h="264471">
+                <a:tc>
+                  <a:txBody>
+                    <a:bodyPr/>
+                    <a:lstStyle/>
+                    <a:p>
+                      <a:pPr latinLnBrk="1"/>
+                      <a:r>
+                        <a:rPr lang="en-US" altLang="ko-KR" dirty="0" smtClean="0"/>
+                        <a:t>4</a:t>
+                      </a:r>
+                      <a:endParaRPr lang="ko-KR" altLang="en-US" dirty="0"/>
+                    </a:p>
+                  </a:txBody>
+                  <a:tcPr/>
+                </a:tc>
+                <a:tc>
+                  <a:txBody>
+                    <a:bodyPr/>
+                    <a:lstStyle/>
+                    <a:p>
+                      <a:pPr latinLnBrk="1"/>
+                      <a:endParaRPr lang="ko-KR" altLang="en-US"/>
+                    </a:p>
+                  </a:txBody>
+                  <a:tcPr/>
+                </a:tc>
+                <a:tc>
+                  <a:txBody>
+                    <a:bodyPr/>
+                    <a:lstStyle/>
+                    <a:p>
+                      <a:pPr latinLnBrk="1"/>
+                      <a:endParaRPr lang="ko-KR" altLang="en-US"/>
+                    </a:p>
+                  </a:txBody>
+                  <a:tcPr/>
+                </a:tc>
+                <a:tc>
+                  <a:txBody>
+                    <a:bodyPr/>
+                    <a:lstStyle/>
+                    <a:p>
+                      <a:pPr latinLnBrk="1"/>
+                      <a:endParaRPr lang="ko-KR" altLang="en-US"/>
+                    </a:p>
+                  </a:txBody>
+                  <a:tcPr>
+                    <a:solidFill>
+                      <a:srgbClr val="0070C0"/>
+                    </a:solidFill>
+                  </a:tcPr>
+                </a:tc>
+                <a:tc>
+                  <a:txBody>
+                    <a:bodyPr/>
+                    <a:lstStyle/>
+                    <a:p>
+                      <a:pPr latinLnBrk="1"/>
+                      <a:endParaRPr lang="ko-KR" altLang="en-US"/>
+                    </a:p>
+                  </a:txBody>
+                  <a:tcPr>
+                    <a:solidFill>
+                      <a:srgbClr val="0070C0"/>
+                    </a:solidFill>
+                  </a:tcPr>
+                </a:tc>
+                <a:tc>
+                  <a:txBody>
+                    <a:bodyPr/>
+                    <a:lstStyle/>
+                    <a:p>
+                      <a:pPr latinLnBrk="1"/>
+                      <a:endParaRPr lang="ko-KR" altLang="en-US"/>
+                    </a:p>
+                  </a:txBody>
+                  <a:tcPr>
+                    <a:solidFill>
+                      <a:srgbClr val="0070C0"/>
+                    </a:solidFill>
+                  </a:tcPr>
+                </a:tc>
+                <a:tc>
+                  <a:txBody>
+                    <a:bodyPr/>
+                    <a:lstStyle/>
+                    <a:p>
+                      <a:pPr latinLnBrk="1"/>
+                      <a:endParaRPr lang="ko-KR" altLang="en-US"/>
+                    </a:p>
+                  </a:txBody>
+                  <a:tcPr/>
+                </a:tc>
+                <a:tc>
+                  <a:txBody>
+                    <a:bodyPr/>
+                    <a:lstStyle/>
+                    <a:p>
+                      <a:pPr latinLnBrk="1"/>
+                      <a:endParaRPr lang="ko-KR" altLang="en-US"/>
+                    </a:p>
+                  </a:txBody>
+                  <a:tcPr/>
+                </a:tc>
+                <a:tc>
+                  <a:txBody>
+                    <a:bodyPr/>
+                    <a:lstStyle/>
+                    <a:p>
+                      <a:pPr latinLnBrk="1"/>
+                      <a:endParaRPr lang="ko-KR" altLang="en-US"/>
+                    </a:p>
+                  </a:txBody>
+                  <a:tcPr/>
+                </a:tc>
+                <a:extLst>
+                  <a:ext uri="{0D108BD9-81ED-4DB2-BD59-A6C34878D82A}">
+                    <a16:rowId xmlns:a16="http://schemas.microsoft.com/office/drawing/2014/main" val="2023579563"/>
+                  </a:ext>
+                </a:extLst>
+              </a:tr>
+              <a:tr h="264471">
+                <a:tc>
+                  <a:txBody>
+                    <a:bodyPr/>
+                    <a:lstStyle/>
+                    <a:p>
+                      <a:pPr latinLnBrk="1"/>
+                      <a:r>
+                        <a:rPr lang="en-US" altLang="ko-KR" dirty="0" smtClean="0"/>
+                        <a:t>5</a:t>
+                      </a:r>
+                      <a:endParaRPr lang="ko-KR" altLang="en-US" dirty="0"/>
+                    </a:p>
+                  </a:txBody>
+                  <a:tcPr/>
+                </a:tc>
+                <a:tc>
+                  <a:txBody>
+                    <a:bodyPr/>
+                    <a:lstStyle/>
+                    <a:p>
+                      <a:pPr latinLnBrk="1"/>
+                      <a:endParaRPr lang="ko-KR" altLang="en-US"/>
+                    </a:p>
+                  </a:txBody>
+                  <a:tcPr/>
+                </a:tc>
+                <a:tc>
+                  <a:txBody>
+                    <a:bodyPr/>
+                    <a:lstStyle/>
+                    <a:p>
+                      <a:pPr latinLnBrk="1"/>
+                      <a:endParaRPr lang="ko-KR" altLang="en-US"/>
+                    </a:p>
+                  </a:txBody>
+                  <a:tcPr/>
+                </a:tc>
+                <a:tc>
+                  <a:txBody>
+                    <a:bodyPr/>
+                    <a:lstStyle/>
+                    <a:p>
+                      <a:pPr latinLnBrk="1"/>
+                      <a:endParaRPr lang="ko-KR" altLang="en-US"/>
+                    </a:p>
+                  </a:txBody>
+                  <a:tcPr>
+                    <a:solidFill>
+                      <a:srgbClr val="0070C0"/>
+                    </a:solidFill>
+                  </a:tcPr>
+                </a:tc>
+                <a:tc>
+                  <a:txBody>
+                    <a:bodyPr/>
+                    <a:lstStyle/>
+                    <a:p>
+                      <a:pPr latinLnBrk="1"/>
+                      <a:endParaRPr lang="ko-KR" altLang="en-US" dirty="0"/>
+                    </a:p>
+                  </a:txBody>
+                  <a:tcPr>
+                    <a:solidFill>
+                      <a:srgbClr val="0070C0"/>
+                    </a:solidFill>
+                  </a:tcPr>
+                </a:tc>
+                <a:tc>
+                  <a:txBody>
+                    <a:bodyPr/>
+                    <a:lstStyle/>
+                    <a:p>
+                      <a:pPr latinLnBrk="1"/>
+                      <a:endParaRPr lang="ko-KR" altLang="en-US"/>
+                    </a:p>
+                  </a:txBody>
+                  <a:tcPr>
+                    <a:solidFill>
+                      <a:srgbClr val="0070C0"/>
+                    </a:solidFill>
+                  </a:tcPr>
+                </a:tc>
+                <a:tc>
+                  <a:txBody>
+                    <a:bodyPr/>
+                    <a:lstStyle/>
+                    <a:p>
+                      <a:pPr latinLnBrk="1"/>
+                      <a:endParaRPr lang="ko-KR" altLang="en-US"/>
+                    </a:p>
+                  </a:txBody>
+                  <a:tcPr/>
+                </a:tc>
+                <a:tc>
+                  <a:txBody>
+                    <a:bodyPr/>
+                    <a:lstStyle/>
+                    <a:p>
+                      <a:pPr latinLnBrk="1"/>
+                      <a:endParaRPr lang="ko-KR" altLang="en-US"/>
+                    </a:p>
+                  </a:txBody>
+                  <a:tcPr/>
+                </a:tc>
+                <a:tc>
+                  <a:txBody>
+                    <a:bodyPr/>
+                    <a:lstStyle/>
+                    <a:p>
+                      <a:pPr latinLnBrk="1"/>
+                      <a:endParaRPr lang="ko-KR" altLang="en-US" dirty="0"/>
+                    </a:p>
+                  </a:txBody>
+                  <a:tcPr/>
+                </a:tc>
+                <a:extLst>
+                  <a:ext uri="{0D108BD9-81ED-4DB2-BD59-A6C34878D82A}">
+                    <a16:rowId xmlns:a16="http://schemas.microsoft.com/office/drawing/2014/main" val="2307272805"/>
+                  </a:ext>
+                </a:extLst>
+              </a:tr>
+              <a:tr h="264471">
+                <a:tc>
+                  <a:txBody>
+                    <a:bodyPr/>
+                    <a:lstStyle/>
+                    <a:p>
+                      <a:pPr latinLnBrk="1"/>
+                      <a:r>
+                        <a:rPr lang="en-US" altLang="ko-KR" dirty="0" smtClean="0"/>
+                        <a:t>6</a:t>
+                      </a:r>
+                      <a:endParaRPr lang="ko-KR" altLang="en-US" dirty="0"/>
+                    </a:p>
+                  </a:txBody>
+                  <a:tcPr/>
+                </a:tc>
+                <a:tc>
+                  <a:txBody>
+                    <a:bodyPr/>
+                    <a:lstStyle/>
+                    <a:p>
+                      <a:pPr latinLnBrk="1"/>
+                      <a:endParaRPr lang="ko-KR" altLang="en-US"/>
+                    </a:p>
+                  </a:txBody>
+                  <a:tcPr/>
+                </a:tc>
+                <a:tc>
+                  <a:txBody>
+                    <a:bodyPr/>
+                    <a:lstStyle/>
+                    <a:p>
+                      <a:pPr latinLnBrk="1"/>
+                      <a:endParaRPr lang="ko-KR" altLang="en-US"/>
+                    </a:p>
+                  </a:txBody>
+                  <a:tcPr/>
+                </a:tc>
+                <a:tc>
+                  <a:txBody>
+                    <a:bodyPr/>
+                    <a:lstStyle/>
+                    <a:p>
+                      <a:pPr latinLnBrk="1"/>
+                      <a:endParaRPr lang="ko-KR" altLang="en-US"/>
+                    </a:p>
+                  </a:txBody>
+                  <a:tcPr>
+                    <a:solidFill>
+                      <a:srgbClr val="0070C0"/>
+                    </a:solidFill>
+                  </a:tcPr>
+                </a:tc>
+                <a:tc>
+                  <a:txBody>
+                    <a:bodyPr/>
+                    <a:lstStyle/>
+                    <a:p>
+                      <a:pPr latinLnBrk="1"/>
+                      <a:endParaRPr lang="ko-KR" altLang="en-US" dirty="0"/>
+                    </a:p>
+                  </a:txBody>
+                  <a:tcPr>
+                    <a:solidFill>
+                      <a:srgbClr val="0070C0"/>
+                    </a:solidFill>
+                  </a:tcPr>
+                </a:tc>
+                <a:tc>
+                  <a:txBody>
+                    <a:bodyPr/>
+                    <a:lstStyle/>
+                    <a:p>
+                      <a:pPr latinLnBrk="1"/>
+                      <a:endParaRPr lang="ko-KR" altLang="en-US" dirty="0"/>
+                    </a:p>
+                  </a:txBody>
+                  <a:tcPr>
+                    <a:solidFill>
+                      <a:srgbClr val="0070C0"/>
+                    </a:solidFill>
+                  </a:tcPr>
+                </a:tc>
+                <a:tc>
+                  <a:txBody>
+                    <a:bodyPr/>
+                    <a:lstStyle/>
+                    <a:p>
+                      <a:pPr latinLnBrk="1"/>
+                      <a:endParaRPr lang="ko-KR" altLang="en-US"/>
+                    </a:p>
+                  </a:txBody>
+                  <a:tcPr/>
+                </a:tc>
+                <a:tc>
+                  <a:txBody>
+                    <a:bodyPr/>
+                    <a:lstStyle/>
+                    <a:p>
+                      <a:pPr latinLnBrk="1"/>
+                      <a:endParaRPr lang="ko-KR" altLang="en-US"/>
+                    </a:p>
+                  </a:txBody>
+                  <a:tcPr/>
+                </a:tc>
+                <a:tc>
+                  <a:txBody>
+                    <a:bodyPr/>
+                    <a:lstStyle/>
+                    <a:p>
+                      <a:pPr latinLnBrk="1"/>
+                      <a:endParaRPr lang="ko-KR" altLang="en-US"/>
+                    </a:p>
+                  </a:txBody>
+                  <a:tcPr/>
+                </a:tc>
+                <a:extLst>
+                  <a:ext uri="{0D108BD9-81ED-4DB2-BD59-A6C34878D82A}">
+                    <a16:rowId xmlns:a16="http://schemas.microsoft.com/office/drawing/2014/main" val="2737902300"/>
+                  </a:ext>
+                </a:extLst>
+              </a:tr>
+              <a:tr h="264471">
+                <a:tc>
+                  <a:txBody>
+                    <a:bodyPr/>
+                    <a:lstStyle/>
+                    <a:p>
+                      <a:pPr latinLnBrk="1"/>
+                      <a:r>
+                        <a:rPr lang="en-US" altLang="ko-KR" dirty="0" smtClean="0"/>
+                        <a:t>7</a:t>
+                      </a:r>
+                      <a:endParaRPr lang="ko-KR" altLang="en-US" dirty="0"/>
+                    </a:p>
+                  </a:txBody>
+                  <a:tcPr/>
+                </a:tc>
+                <a:tc>
+                  <a:txBody>
+                    <a:bodyPr/>
+                    <a:lstStyle/>
+                    <a:p>
+                      <a:pPr latinLnBrk="1"/>
+                      <a:endParaRPr lang="ko-KR" altLang="en-US"/>
+                    </a:p>
+                  </a:txBody>
+                  <a:tcPr/>
+                </a:tc>
+                <a:tc>
+                  <a:txBody>
+                    <a:bodyPr/>
+                    <a:lstStyle/>
+                    <a:p>
+                      <a:pPr latinLnBrk="1"/>
+                      <a:endParaRPr lang="ko-KR" altLang="en-US"/>
+                    </a:p>
+                  </a:txBody>
+                  <a:tcPr/>
+                </a:tc>
+                <a:tc>
+                  <a:txBody>
+                    <a:bodyPr/>
+                    <a:lstStyle/>
+                    <a:p>
+                      <a:pPr latinLnBrk="1"/>
+                      <a:endParaRPr lang="ko-KR" altLang="en-US"/>
+                    </a:p>
+                  </a:txBody>
+                  <a:tcPr/>
+                </a:tc>
+                <a:tc>
+                  <a:txBody>
+                    <a:bodyPr/>
+                    <a:lstStyle/>
+                    <a:p>
+                      <a:pPr latinLnBrk="1"/>
+                      <a:endParaRPr lang="ko-KR" altLang="en-US"/>
+                    </a:p>
+                  </a:txBody>
+                  <a:tcPr/>
+                </a:tc>
+                <a:tc>
+                  <a:txBody>
+                    <a:bodyPr/>
+                    <a:lstStyle/>
+                    <a:p>
+                      <a:pPr latinLnBrk="1"/>
+                      <a:endParaRPr lang="ko-KR" altLang="en-US"/>
+                    </a:p>
+                  </a:txBody>
+                  <a:tcPr/>
+                </a:tc>
+                <a:tc>
+                  <a:txBody>
+                    <a:bodyPr/>
+                    <a:lstStyle/>
+                    <a:p>
+                      <a:pPr latinLnBrk="1"/>
+                      <a:endParaRPr lang="ko-KR" altLang="en-US"/>
+                    </a:p>
+                  </a:txBody>
+                  <a:tcPr>
+                    <a:solidFill>
+                      <a:schemeClr val="bg1"/>
+                    </a:solidFill>
+                  </a:tcPr>
+                </a:tc>
+                <a:tc>
+                  <a:txBody>
+                    <a:bodyPr/>
+                    <a:lstStyle/>
+                    <a:p>
+                      <a:pPr latinLnBrk="1"/>
+                      <a:endParaRPr lang="ko-KR" altLang="en-US"/>
+                    </a:p>
+                  </a:txBody>
+                  <a:tcPr>
+                    <a:solidFill>
+                      <a:schemeClr val="bg1"/>
+                    </a:solidFill>
+                  </a:tcPr>
+                </a:tc>
+                <a:tc>
+                  <a:txBody>
+                    <a:bodyPr/>
+                    <a:lstStyle/>
+                    <a:p>
+                      <a:pPr latinLnBrk="1"/>
+                      <a:endParaRPr lang="ko-KR" altLang="en-US"/>
+                    </a:p>
+                  </a:txBody>
+                  <a:tcPr>
+                    <a:solidFill>
+                      <a:schemeClr val="bg1"/>
+                    </a:solidFill>
+                  </a:tcPr>
+                </a:tc>
+                <a:extLst>
+                  <a:ext uri="{0D108BD9-81ED-4DB2-BD59-A6C34878D82A}">
+                    <a16:rowId xmlns:a16="http://schemas.microsoft.com/office/drawing/2014/main" val="1718575518"/>
+                  </a:ext>
+                </a:extLst>
+              </a:tr>
+              <a:tr h="264471">
+                <a:tc>
+                  <a:txBody>
+                    <a:bodyPr/>
+                    <a:lstStyle/>
+                    <a:p>
+                      <a:pPr latinLnBrk="1"/>
+                      <a:r>
+                        <a:rPr lang="en-US" altLang="ko-KR" dirty="0" smtClean="0"/>
+                        <a:t>8</a:t>
+                      </a:r>
+                      <a:endParaRPr lang="ko-KR" altLang="en-US" dirty="0"/>
+                    </a:p>
+                  </a:txBody>
+                  <a:tcPr/>
+                </a:tc>
+                <a:tc>
+                  <a:txBody>
+                    <a:bodyPr/>
+                    <a:lstStyle/>
+                    <a:p>
+                      <a:pPr latinLnBrk="1"/>
+                      <a:endParaRPr lang="ko-KR" altLang="en-US"/>
+                    </a:p>
+                  </a:txBody>
+                  <a:tcPr/>
+                </a:tc>
+                <a:tc>
+                  <a:txBody>
+                    <a:bodyPr/>
+                    <a:lstStyle/>
+                    <a:p>
+                      <a:pPr latinLnBrk="1"/>
+                      <a:endParaRPr lang="ko-KR" altLang="en-US"/>
+                    </a:p>
+                  </a:txBody>
+                  <a:tcPr/>
+                </a:tc>
+                <a:tc>
+                  <a:txBody>
+                    <a:bodyPr/>
+                    <a:lstStyle/>
+                    <a:p>
+                      <a:pPr latinLnBrk="1"/>
+                      <a:endParaRPr lang="ko-KR" altLang="en-US"/>
+                    </a:p>
+                  </a:txBody>
+                  <a:tcPr/>
+                </a:tc>
+                <a:tc>
+                  <a:txBody>
+                    <a:bodyPr/>
+                    <a:lstStyle/>
+                    <a:p>
+                      <a:pPr latinLnBrk="1"/>
+                      <a:endParaRPr lang="ko-KR" altLang="en-US"/>
+                    </a:p>
+                  </a:txBody>
+                  <a:tcPr/>
+                </a:tc>
+                <a:tc>
+                  <a:txBody>
+                    <a:bodyPr/>
+                    <a:lstStyle/>
+                    <a:p>
+                      <a:pPr latinLnBrk="1"/>
+                      <a:endParaRPr lang="ko-KR" altLang="en-US"/>
+                    </a:p>
+                  </a:txBody>
+                  <a:tcPr/>
+                </a:tc>
+                <a:tc>
+                  <a:txBody>
+                    <a:bodyPr/>
+                    <a:lstStyle/>
+                    <a:p>
+                      <a:pPr latinLnBrk="1"/>
+                      <a:endParaRPr lang="ko-KR" altLang="en-US"/>
+                    </a:p>
+                  </a:txBody>
+                  <a:tcPr>
+                    <a:solidFill>
+                      <a:schemeClr val="bg1"/>
+                    </a:solidFill>
+                  </a:tcPr>
+                </a:tc>
+                <a:tc>
+                  <a:txBody>
+                    <a:bodyPr/>
+                    <a:lstStyle/>
+                    <a:p>
+                      <a:pPr latinLnBrk="1"/>
+                      <a:endParaRPr lang="ko-KR" altLang="en-US"/>
+                    </a:p>
+                  </a:txBody>
+                  <a:tcPr>
+                    <a:solidFill>
+                      <a:schemeClr val="bg1"/>
+                    </a:solidFill>
+                  </a:tcPr>
+                </a:tc>
+                <a:tc>
+                  <a:txBody>
+                    <a:bodyPr/>
+                    <a:lstStyle/>
+                    <a:p>
+                      <a:pPr latinLnBrk="1"/>
+                      <a:endParaRPr lang="ko-KR" altLang="en-US"/>
+                    </a:p>
+                  </a:txBody>
+                  <a:tcPr>
+                    <a:solidFill>
+                      <a:schemeClr val="bg1"/>
+                    </a:solidFill>
+                  </a:tcPr>
+                </a:tc>
+                <a:extLst>
+                  <a:ext uri="{0D108BD9-81ED-4DB2-BD59-A6C34878D82A}">
+                    <a16:rowId xmlns:a16="http://schemas.microsoft.com/office/drawing/2014/main" val="3721753669"/>
+                  </a:ext>
+                </a:extLst>
+              </a:tr>
+              <a:tr h="264471">
+                <a:tc>
+                  <a:txBody>
+                    <a:bodyPr/>
+                    <a:lstStyle/>
+                    <a:p>
+                      <a:pPr latinLnBrk="1"/>
+                      <a:r>
+                        <a:rPr lang="en-US" altLang="ko-KR" dirty="0" smtClean="0"/>
+                        <a:t>9</a:t>
+                      </a:r>
+                      <a:endParaRPr lang="ko-KR" altLang="en-US" dirty="0"/>
+                    </a:p>
+                  </a:txBody>
+                  <a:tcPr/>
+                </a:tc>
+                <a:tc>
+                  <a:txBody>
+                    <a:bodyPr/>
+                    <a:lstStyle/>
+                    <a:p>
+                      <a:pPr latinLnBrk="1"/>
+                      <a:endParaRPr lang="ko-KR" altLang="en-US"/>
+                    </a:p>
+                  </a:txBody>
+                  <a:tcPr/>
+                </a:tc>
+                <a:tc>
+                  <a:txBody>
+                    <a:bodyPr/>
+                    <a:lstStyle/>
+                    <a:p>
+                      <a:pPr latinLnBrk="1"/>
+                      <a:endParaRPr lang="ko-KR" altLang="en-US"/>
+                    </a:p>
+                  </a:txBody>
+                  <a:tcPr/>
+                </a:tc>
+                <a:tc>
+                  <a:txBody>
+                    <a:bodyPr/>
+                    <a:lstStyle/>
+                    <a:p>
+                      <a:pPr latinLnBrk="1"/>
+                      <a:endParaRPr lang="ko-KR" altLang="en-US"/>
+                    </a:p>
+                  </a:txBody>
+                  <a:tcPr/>
+                </a:tc>
+                <a:tc>
+                  <a:txBody>
+                    <a:bodyPr/>
+                    <a:lstStyle/>
+                    <a:p>
+                      <a:pPr latinLnBrk="1"/>
+                      <a:endParaRPr lang="ko-KR" altLang="en-US"/>
+                    </a:p>
+                  </a:txBody>
+                  <a:tcPr/>
+                </a:tc>
+                <a:tc>
+                  <a:txBody>
+                    <a:bodyPr/>
+                    <a:lstStyle/>
+                    <a:p>
+                      <a:pPr latinLnBrk="1"/>
+                      <a:endParaRPr lang="ko-KR" altLang="en-US"/>
+                    </a:p>
+                  </a:txBody>
+                  <a:tcPr/>
+                </a:tc>
+                <a:tc>
+                  <a:txBody>
+                    <a:bodyPr/>
+                    <a:lstStyle/>
+                    <a:p>
+                      <a:pPr latinLnBrk="1"/>
+                      <a:endParaRPr lang="ko-KR" altLang="en-US"/>
+                    </a:p>
+                  </a:txBody>
+                  <a:tcPr>
+                    <a:solidFill>
+                      <a:schemeClr val="bg1"/>
+                    </a:solidFill>
+                  </a:tcPr>
+                </a:tc>
+                <a:tc>
+                  <a:txBody>
+                    <a:bodyPr/>
+                    <a:lstStyle/>
+                    <a:p>
+                      <a:pPr latinLnBrk="1"/>
+                      <a:endParaRPr lang="ko-KR" altLang="en-US"/>
+                    </a:p>
+                  </a:txBody>
+                  <a:tcPr>
+                    <a:solidFill>
+                      <a:schemeClr val="bg1"/>
+                    </a:solidFill>
+                  </a:tcPr>
+                </a:tc>
+                <a:tc>
+                  <a:txBody>
+                    <a:bodyPr/>
+                    <a:lstStyle/>
+                    <a:p>
+                      <a:pPr latinLnBrk="1"/>
+                      <a:endParaRPr lang="ko-KR" altLang="en-US" dirty="0"/>
+                    </a:p>
+                  </a:txBody>
+                  <a:tcPr>
+                    <a:solidFill>
+                      <a:schemeClr val="bg1"/>
+                    </a:solidFill>
+                  </a:tcPr>
+                </a:tc>
+                <a:extLst>
+                  <a:ext uri="{0D108BD9-81ED-4DB2-BD59-A6C34878D82A}">
+                    <a16:rowId xmlns:a16="http://schemas.microsoft.com/office/drawing/2014/main" val="3877163438"/>
+                  </a:ext>
+                </a:extLst>
+              </a:tr>
+            </a:tbl>
+          </a:graphicData>
+        </a:graphic>
+      </p:graphicFrame>
+      <p:graphicFrame>
+        <p:nvGraphicFramePr>
+          <p:cNvPr id="3" name="표 2"/>
+          <p:cNvGraphicFramePr>
+            <a:graphicFrameLocks noGrp="1"/>
+          </p:cNvGraphicFramePr>
+          <p:nvPr>
+            <p:extLst>
+              <p:ext uri="{D42A27DB-BD31-4B8C-83A1-F6EECF244321}">
+                <p14:modId xmlns:p14="http://schemas.microsoft.com/office/powerpoint/2010/main" val="2050921037"/>
+              </p:ext>
+            </p:extLst>
+          </p:nvPr>
+        </p:nvGraphicFramePr>
+        <p:xfrm>
+          <a:off x="6252834" y="4060611"/>
+          <a:ext cx="1621659" cy="1587699"/>
+        </p:xfrm>
+        <a:graphic>
+          <a:graphicData uri="http://schemas.openxmlformats.org/drawingml/2006/table">
+            <a:tbl>
+              <a:tblPr firstRow="1" bandRow="1">
+                <a:tableStyleId>{5940675A-B579-460E-94D1-54222C63F5DA}</a:tableStyleId>
+              </a:tblPr>
+              <a:tblGrid>
+                <a:gridCol w="540553">
+                  <a:extLst>
+                    <a:ext uri="{9D8B030D-6E8A-4147-A177-3AD203B41FA5}">
+                      <a16:colId xmlns:a16="http://schemas.microsoft.com/office/drawing/2014/main" val="319619863"/>
+                    </a:ext>
+                  </a:extLst>
+                </a:gridCol>
+                <a:gridCol w="540553">
+                  <a:extLst>
+                    <a:ext uri="{9D8B030D-6E8A-4147-A177-3AD203B41FA5}">
+                      <a16:colId xmlns:a16="http://schemas.microsoft.com/office/drawing/2014/main" val="765573022"/>
+                    </a:ext>
+                  </a:extLst>
+                </a:gridCol>
+                <a:gridCol w="540553">
+                  <a:extLst>
+                    <a:ext uri="{9D8B030D-6E8A-4147-A177-3AD203B41FA5}">
+                      <a16:colId xmlns:a16="http://schemas.microsoft.com/office/drawing/2014/main" val="2632942491"/>
+                    </a:ext>
+                  </a:extLst>
+                </a:gridCol>
+              </a:tblGrid>
+              <a:tr h="529233">
+                <a:tc>
+                  <a:txBody>
+                    <a:bodyPr/>
+                    <a:lstStyle/>
+                    <a:p>
+                      <a:pPr latinLnBrk="1"/>
+                      <a:r>
+                        <a:rPr lang="en-US" altLang="ko-KR" dirty="0" smtClean="0"/>
+                        <a:t>1</a:t>
+                      </a:r>
+                      <a:endParaRPr lang="ko-KR" altLang="en-US" dirty="0"/>
+                    </a:p>
+                  </a:txBody>
+                  <a:tcPr/>
+                </a:tc>
+                <a:tc>
+                  <a:txBody>
+                    <a:bodyPr/>
+                    <a:lstStyle/>
+                    <a:p>
+                      <a:pPr latinLnBrk="1"/>
+                      <a:r>
+                        <a:rPr lang="en-US" altLang="ko-KR" dirty="0" smtClean="0"/>
+                        <a:t>2</a:t>
+                      </a:r>
+                      <a:endParaRPr lang="ko-KR" altLang="en-US" dirty="0"/>
+                    </a:p>
+                  </a:txBody>
+                  <a:tcPr/>
+                </a:tc>
+                <a:tc>
+                  <a:txBody>
+                    <a:bodyPr/>
+                    <a:lstStyle/>
+                    <a:p>
+                      <a:pPr latinLnBrk="1"/>
+                      <a:r>
+                        <a:rPr lang="en-US" altLang="ko-KR" dirty="0" smtClean="0"/>
+                        <a:t>3</a:t>
+                      </a:r>
+                      <a:endParaRPr lang="ko-KR" altLang="en-US" dirty="0"/>
+                    </a:p>
+                  </a:txBody>
+                  <a:tcPr/>
+                </a:tc>
+                <a:extLst>
+                  <a:ext uri="{0D108BD9-81ED-4DB2-BD59-A6C34878D82A}">
+                    <a16:rowId xmlns:a16="http://schemas.microsoft.com/office/drawing/2014/main" val="3410166647"/>
+                  </a:ext>
+                </a:extLst>
+              </a:tr>
+              <a:tr h="529233">
+                <a:tc>
+                  <a:txBody>
+                    <a:bodyPr/>
+                    <a:lstStyle/>
+                    <a:p>
+                      <a:pPr latinLnBrk="1"/>
+                      <a:r>
+                        <a:rPr lang="en-US" altLang="ko-KR" dirty="0" smtClean="0"/>
+                        <a:t>4</a:t>
+                      </a:r>
+                      <a:endParaRPr lang="ko-KR" altLang="en-US" dirty="0"/>
+                    </a:p>
+                  </a:txBody>
+                  <a:tcPr/>
+                </a:tc>
+                <a:tc>
+                  <a:txBody>
+                    <a:bodyPr/>
+                    <a:lstStyle/>
+                    <a:p>
+                      <a:pPr latinLnBrk="1"/>
+                      <a:r>
+                        <a:rPr lang="en-US" altLang="ko-KR" dirty="0" smtClean="0"/>
+                        <a:t>5</a:t>
+                      </a:r>
+                      <a:endParaRPr lang="ko-KR" altLang="en-US" dirty="0"/>
+                    </a:p>
+                  </a:txBody>
+                  <a:tcPr/>
+                </a:tc>
+                <a:tc>
+                  <a:txBody>
+                    <a:bodyPr/>
+                    <a:lstStyle/>
+                    <a:p>
+                      <a:pPr latinLnBrk="1"/>
+                      <a:r>
+                        <a:rPr lang="en-US" altLang="ko-KR" dirty="0" smtClean="0"/>
+                        <a:t>6</a:t>
+                      </a:r>
+                      <a:endParaRPr lang="ko-KR" altLang="en-US" dirty="0"/>
+                    </a:p>
+                  </a:txBody>
+                  <a:tcPr/>
+                </a:tc>
+                <a:extLst>
+                  <a:ext uri="{0D108BD9-81ED-4DB2-BD59-A6C34878D82A}">
+                    <a16:rowId xmlns:a16="http://schemas.microsoft.com/office/drawing/2014/main" val="277083783"/>
+                  </a:ext>
+                </a:extLst>
+              </a:tr>
+              <a:tr h="529233">
+                <a:tc>
+                  <a:txBody>
+                    <a:bodyPr/>
+                    <a:lstStyle/>
+                    <a:p>
+                      <a:pPr latinLnBrk="1"/>
+                      <a:r>
+                        <a:rPr lang="en-US" altLang="ko-KR" dirty="0" smtClean="0"/>
+                        <a:t>7</a:t>
+                      </a:r>
+                      <a:endParaRPr lang="ko-KR" altLang="en-US" dirty="0"/>
+                    </a:p>
+                  </a:txBody>
+                  <a:tcPr/>
+                </a:tc>
+                <a:tc>
+                  <a:txBody>
+                    <a:bodyPr/>
+                    <a:lstStyle/>
+                    <a:p>
+                      <a:pPr latinLnBrk="1"/>
+                      <a:r>
+                        <a:rPr lang="en-US" altLang="ko-KR" dirty="0" smtClean="0"/>
+                        <a:t>8</a:t>
+                      </a:r>
+                      <a:endParaRPr lang="ko-KR" altLang="en-US" dirty="0"/>
+                    </a:p>
+                  </a:txBody>
+                  <a:tcPr/>
+                </a:tc>
+                <a:tc>
+                  <a:txBody>
+                    <a:bodyPr/>
+                    <a:lstStyle/>
+                    <a:p>
+                      <a:pPr latinLnBrk="1"/>
+                      <a:r>
+                        <a:rPr lang="en-US" altLang="ko-KR" dirty="0" smtClean="0"/>
+                        <a:t>9</a:t>
+                      </a:r>
+                      <a:endParaRPr lang="ko-KR" altLang="en-US" dirty="0"/>
+                    </a:p>
+                  </a:txBody>
+                  <a:tcPr/>
+                </a:tc>
+                <a:extLst>
+                  <a:ext uri="{0D108BD9-81ED-4DB2-BD59-A6C34878D82A}">
+                    <a16:rowId xmlns:a16="http://schemas.microsoft.com/office/drawing/2014/main" val="3100931847"/>
+                  </a:ext>
+                </a:extLst>
+              </a:tr>
+            </a:tbl>
+          </a:graphicData>
+        </a:graphic>
+      </p:graphicFrame>
+      <p:sp>
+        <p:nvSpPr>
+          <p:cNvPr id="5" name="아래쪽 화살표 4"/>
+          <p:cNvSpPr/>
+          <p:nvPr/>
+        </p:nvSpPr>
+        <p:spPr>
+          <a:xfrm rot="1555497">
+            <a:off x="7849288" y="1971504"/>
+            <a:ext cx="653291" cy="1988112"/>
+          </a:xfrm>
+          <a:prstGeom prst="downArrow">
+            <a:avLst/>
+          </a:prstGeom>
+          <a:solidFill>
+            <a:srgbClr val="00B050"/>
+          </a:solidFill>
+          <a:ln>
+            <a:solidFill>
+              <a:srgbClr val="00B050"/>
+            </a:solidFill>
+          </a:ln>
+        </p:spPr>
+        <p:style>
+          <a:lnRef idx="2">
+            <a:schemeClr val="accent1">
+              <a:shade val="50000"/>
+            </a:schemeClr>
+          </a:lnRef>
+          <a:fillRef idx="1">
+            <a:schemeClr val="accent1"/>
+          </a:fillRef>
+          <a:effectRef idx="0">
+            <a:schemeClr val="accent1"/>
+          </a:effectRef>
+          <a:fontRef idx="minor">
+            <a:schemeClr val="lt1"/>
+          </a:fontRef>
+        </p:style>
+        <p:txBody>
+          <a:bodyPr rtlCol="0" anchor="ctr"/>
+          <a:lstStyle/>
+          <a:p>
+            <a:pPr algn="ctr"/>
+            <a:endParaRPr lang="ko-KR" altLang="en-US"/>
+          </a:p>
+        </p:txBody>
+      </p:sp>
     </p:spTree>
     <p:extLst>
       <p:ext uri="{BB962C8B-B14F-4D97-AF65-F5344CB8AC3E}">
@@ -12673,7 +14258,7 @@
         <p14:prism/>
       </p:transition>
     </mc:Choice>
-    <mc:Fallback xmlns="" xmlns:m="http://schemas.openxmlformats.org/officeDocument/2006/math" xmlns:w="http://schemas.openxmlformats.org/wordprocessingml/2006/main" xmlns:wp="http://schemas.openxmlformats.org/drawingml/2006/wordprocessingDrawing" xmlns:a14="http://schemas.microsoft.com/office/drawing/2010/main" xmlns:p15="http://schemas.microsoft.com/office/powerpoint/2012/main" xmlns:p159="http://schemas.microsoft.com/office/powerpoint/2015/09/main">
+    <mc:Fallback xmlns:p159="http://schemas.microsoft.com/office/powerpoint/2015/09/main" xmlns:p15="http://schemas.microsoft.com/office/powerpoint/2012/main" xmlns:a14="http://schemas.microsoft.com/office/drawing/2010/main" xmlns:wp="http://schemas.openxmlformats.org/drawingml/2006/wordprocessingDrawing" xmlns:w="http://schemas.openxmlformats.org/wordprocessingml/2006/main" xmlns:m="http://schemas.openxmlformats.org/officeDocument/2006/math" xmlns="">
       <p:transition spd="slow" advTm="2000">
         <p:fade/>
       </p:transition>
@@ -12703,10 +14288,15 @@
                             </p:stCondLst>
                             <p:childTnLst>
                               <p:par>
-                                <p:cTn id="5" presetID="10" presetClass="entr" presetSubtype="0" fill="hold" grpId="0" nodeType="withEffect">
+                                <p:cTn id="5" presetID="10" presetClass="entr" presetSubtype="0" fill="hold" grpId="0" nodeType="withEffect" nodePh="1">
                                   <p:stCondLst>
                                     <p:cond delay="0"/>
                                   </p:stCondLst>
+                                  <p:endCondLst>
+                                    <p:cond evt="begin" delay="0">
+                                      <p:tn val="5"/>
+                                    </p:cond>
+                                  </p:endCondLst>
                                   <p:childTnLst>
                                     <p:set>
                                       <p:cBhvr>
@@ -12943,7 +14533,23 @@
                 <a:ea typeface="NanumGothic"/>
                 <a:sym typeface="思源黑体旧字形 Light" panose="020B0300000000000000" pitchFamily="34" charset="-128"/>
               </a:rPr>
-              <a:t>코드 설명 </a:t>
+              <a:t>코드 </a:t>
+            </a:r>
+            <a:r>
+              <a:rPr lang="ko-KR" altLang="en-US" sz="5400" spc="100" dirty="0" smtClean="0">
+                <a:latin typeface="NanumGothic"/>
+                <a:ea typeface="NanumGothic"/>
+                <a:sym typeface="思源黑体旧字形 Light" panose="020B0300000000000000" pitchFamily="34" charset="-128"/>
+              </a:rPr>
+              <a:t>구조</a:t>
+            </a:r>
+            <a:r>
+              <a:rPr lang="ko-KR" altLang="en-US" sz="5400" spc="100" dirty="0" smtClean="0">
+                <a:latin typeface="NanumGothic"/>
+                <a:ea typeface="NanumGothic"/>
+                <a:sym typeface="思源黑体旧字形 Light" panose="020B0300000000000000" pitchFamily="34" charset="-128"/>
+              </a:rPr>
+              <a:t> </a:t>
             </a:r>
             <a:r>
               <a:rPr lang="en-US" altLang="ko-KR" sz="5400" spc="100" dirty="0" smtClean="0">
@@ -14345,7 +15951,7 @@
         <p:checker/>
       </p:transition>
     </mc:Choice>
-    <mc:Fallback xmlns="" xmlns:m="http://schemas.openxmlformats.org/officeDocument/2006/math" xmlns:w="http://schemas.openxmlformats.org/wordprocessingml/2006/main" xmlns:wp="http://schemas.openxmlformats.org/drawingml/2006/wordprocessingDrawing" xmlns:a14="http://schemas.microsoft.com/office/drawing/2010/main" xmlns:p15="http://schemas.microsoft.com/office/powerpoint/2012/main" xmlns:p159="http://schemas.microsoft.com/office/powerpoint/2015/09/main">
+    <mc:Fallback xmlns:p159="http://schemas.microsoft.com/office/powerpoint/2015/09/main" xmlns:p15="http://schemas.microsoft.com/office/powerpoint/2012/main" xmlns:a14="http://schemas.microsoft.com/office/drawing/2010/main" xmlns:wp="http://schemas.openxmlformats.org/drawingml/2006/wordprocessingDrawing" xmlns:w="http://schemas.openxmlformats.org/wordprocessingml/2006/main" xmlns:m="http://schemas.openxmlformats.org/officeDocument/2006/math" xmlns="">
       <p:transition spd="slow" advTm="2000">
         <p:checker/>
       </p:transition>
@@ -14529,15 +16135,7 @@
                 <a:ea typeface="NanumGothic"/>
                 <a:sym typeface="思源黑体旧字形 Light" panose="020B0300000000000000" pitchFamily="34" charset="-128"/>
               </a:rPr>
-              <a:t>코드 </a:t>
-            </a:r>
-            <a:r>
-              <a:rPr lang="ko-KR" altLang="en-US" sz="3200" b="1" dirty="0" smtClean="0">
-                <a:latin typeface="NanumGothic"/>
-                <a:ea typeface="NanumGothic"/>
-                <a:sym typeface="思源黑体旧字形 Light" panose="020B0300000000000000" pitchFamily="34" charset="-128"/>
-              </a:rPr>
-              <a:t>구조도</a:t>
+              <a:t>코드 구조도</a:t>
             </a:r>
             <a:endParaRPr lang="ko-KO" altLang="ko-KO" sz="3200" b="1" dirty="0">
               <a:latin typeface="NanumGothic"/>
@@ -14555,7 +16153,7 @@
         </p:nvSpPr>
         <p:spPr>
           <a:xfrm>
-            <a:off x="3257459" y="1119169"/>
+            <a:off x="2875719" y="1101414"/>
             <a:ext cx="961390" cy="720314"/>
           </a:xfrm>
           <a:prstGeom prst="roundRect">
@@ -14610,7 +16208,7 @@
         </p:nvSpPr>
         <p:spPr>
           <a:xfrm>
-            <a:off x="1017086" y="2341357"/>
+            <a:off x="2603303" y="2323602"/>
             <a:ext cx="589280" cy="548640"/>
           </a:xfrm>
           <a:prstGeom prst="roundRect">
@@ -14665,7 +16263,7 @@
         </p:nvSpPr>
         <p:spPr>
           <a:xfrm>
-            <a:off x="3924209" y="2341357"/>
+            <a:off x="3542469" y="2323602"/>
             <a:ext cx="589280" cy="548640"/>
           </a:xfrm>
           <a:prstGeom prst="roundRect">
@@ -14720,7 +16318,7 @@
         </p:nvSpPr>
         <p:spPr>
           <a:xfrm>
-            <a:off x="3924209" y="3337037"/>
+            <a:off x="3542469" y="3319282"/>
             <a:ext cx="589280" cy="548640"/>
           </a:xfrm>
           <a:prstGeom prst="roundRect">
@@ -14775,7 +16373,7 @@
         </p:nvSpPr>
         <p:spPr>
           <a:xfrm>
-            <a:off x="5960563" y="4322557"/>
+            <a:off x="5578823" y="4304802"/>
             <a:ext cx="589280" cy="548640"/>
           </a:xfrm>
           <a:prstGeom prst="roundRect">
@@ -14830,7 +16428,7 @@
         </p:nvSpPr>
         <p:spPr>
           <a:xfrm>
-            <a:off x="4631236" y="4322557"/>
+            <a:off x="4249496" y="4304802"/>
             <a:ext cx="589280" cy="548640"/>
           </a:xfrm>
           <a:prstGeom prst="roundRect">
@@ -14885,7 +16483,7 @@
         </p:nvSpPr>
         <p:spPr>
           <a:xfrm>
-            <a:off x="3301909" y="4322557"/>
+            <a:off x="2920169" y="4304802"/>
             <a:ext cx="589280" cy="548640"/>
           </a:xfrm>
           <a:prstGeom prst="roundRect">
@@ -14940,7 +16538,7 @@
         </p:nvSpPr>
         <p:spPr>
           <a:xfrm>
-            <a:off x="1972582" y="4322557"/>
+            <a:off x="1590842" y="4304802"/>
             <a:ext cx="589280" cy="548640"/>
           </a:xfrm>
           <a:prstGeom prst="roundRect">
@@ -14995,7 +16593,7 @@
         </p:nvSpPr>
         <p:spPr>
           <a:xfrm>
-            <a:off x="3924209" y="5318237"/>
+            <a:off x="4560646" y="5290323"/>
             <a:ext cx="589280" cy="548640"/>
           </a:xfrm>
           <a:prstGeom prst="roundRect">
@@ -15050,7 +16648,7 @@
         </p:nvSpPr>
         <p:spPr>
           <a:xfrm>
-            <a:off x="1017086" y="5318237"/>
+            <a:off x="2584963" y="5300483"/>
             <a:ext cx="589280" cy="548640"/>
           </a:xfrm>
           <a:prstGeom prst="roundRect">
@@ -15099,42 +16697,6 @@
       </p:sp>
       <p:cxnSp>
         <p:nvCxnSpPr>
-          <p:cNvPr id="30" name="직선 화살표 연결선 29"/>
-          <p:cNvCxnSpPr>
-            <a:stCxn id="19" idx="2"/>
-            <a:endCxn id="28" idx="0"/>
-          </p:cNvCxnSpPr>
-          <p:nvPr/>
-        </p:nvCxnSpPr>
-        <p:spPr>
-          <a:xfrm>
-            <a:off x="1311726" y="2889997"/>
-            <a:ext cx="0" cy="2428240"/>
-          </a:xfrm>
-          <a:prstGeom prst="straightConnector1">
-            <a:avLst/>
-          </a:prstGeom>
-          <a:ln>
-            <a:tailEnd type="triangle"/>
-          </a:ln>
-        </p:spPr>
-        <p:style>
-          <a:lnRef idx="3">
-            <a:schemeClr val="dk1"/>
-          </a:lnRef>
-          <a:fillRef idx="0">
-            <a:schemeClr val="dk1"/>
-          </a:fillRef>
-          <a:effectRef idx="2">
-            <a:schemeClr val="dk1"/>
-          </a:effectRef>
-          <a:fontRef idx="minor">
-            <a:schemeClr val="tx1"/>
-          </a:fontRef>
-        </p:style>
-      </p:cxnSp>
-      <p:cxnSp>
-        <p:nvCxnSpPr>
           <p:cNvPr id="35" name="직선 화살표 연결선 34"/>
           <p:cNvCxnSpPr>
             <a:stCxn id="20" idx="2"/>
@@ -15144,7 +16706,7 @@
         </p:nvCxnSpPr>
         <p:spPr>
           <a:xfrm>
-            <a:off x="4218849" y="2889997"/>
+            <a:off x="3837109" y="2872242"/>
             <a:ext cx="0" cy="447040"/>
           </a:xfrm>
           <a:prstGeom prst="straightConnector1">
@@ -15180,7 +16742,7 @@
         </p:nvCxnSpPr>
         <p:spPr>
           <a:xfrm rot="5400000">
-            <a:off x="3024596" y="3128304"/>
+            <a:off x="2642856" y="3110549"/>
             <a:ext cx="436880" cy="1951627"/>
           </a:xfrm>
           <a:prstGeom prst="bentConnector3">
@@ -15218,7 +16780,7 @@
         </p:nvCxnSpPr>
         <p:spPr>
           <a:xfrm rot="16200000" flipH="1">
-            <a:off x="4353922" y="3750603"/>
+            <a:off x="3972182" y="3732848"/>
             <a:ext cx="436880" cy="707027"/>
           </a:xfrm>
           <a:prstGeom prst="bentConnector3">
@@ -15256,7 +16818,7 @@
         </p:nvCxnSpPr>
         <p:spPr>
           <a:xfrm rot="16200000" flipH="1">
-            <a:off x="5018586" y="3085940"/>
+            <a:off x="4636846" y="3068185"/>
             <a:ext cx="436880" cy="2036354"/>
           </a:xfrm>
           <a:prstGeom prst="bentConnector3">
@@ -15294,7 +16856,7 @@
         </p:nvCxnSpPr>
         <p:spPr>
           <a:xfrm rot="5400000">
-            <a:off x="3689259" y="3792967"/>
+            <a:off x="3307519" y="3775212"/>
             <a:ext cx="436880" cy="622300"/>
           </a:xfrm>
           <a:prstGeom prst="bentConnector3">
@@ -15329,8 +16891,8 @@
         </p:nvSpPr>
         <p:spPr>
           <a:xfrm>
-            <a:off x="7877174" y="1751987"/>
-            <a:ext cx="4766311" cy="3170099"/>
+            <a:off x="6705322" y="1538923"/>
+            <a:ext cx="4766311" cy="2862322"/>
           </a:xfrm>
           <a:prstGeom prst="rect">
             <a:avLst/>
@@ -15349,7 +16911,7 @@
             </a:r>
             <a:r>
               <a:rPr lang="ko-KR" altLang="en-US" sz="2000" dirty="0" smtClean="0"/>
-              <a:t>이름 입력</a:t>
+              <a:t>플레이어 이름 입력</a:t>
             </a:r>
             <a:endParaRPr lang="en-US" altLang="ko-KR" sz="2000" dirty="0" smtClean="0"/>
           </a:p>
@@ -15360,7 +16922,11 @@
             </a:r>
             <a:r>
               <a:rPr lang="ko-KR" altLang="en-US" sz="2000" dirty="0"/>
-              <a:t>게임 스테이지 진행플레이어 </a:t>
+              <a:t>게임 스테이지 </a:t>
+            </a:r>
+            <a:r>
+              <a:rPr lang="ko-KR" altLang="en-US" sz="2000" dirty="0" smtClean="0"/>
+              <a:t>진행</a:t>
             </a:r>
             <a:endParaRPr lang="en-US" altLang="ko-KR" sz="2000" dirty="0"/>
           </a:p>
@@ -15397,16 +16963,16 @@
               <a:t> : </a:t>
             </a:r>
             <a:r>
-              <a:rPr lang="ko-KR" altLang="en-US" sz="2000" dirty="0" smtClean="0"/>
-              <a:t>새로운 </a:t>
-            </a:r>
-            <a:r>
               <a:rPr lang="ko-KR" altLang="en-US" sz="2000" dirty="0" err="1" smtClean="0"/>
               <a:t>스도쿠</a:t>
             </a:r>
             <a:r>
               <a:rPr lang="ko-KR" altLang="en-US" sz="2000" dirty="0" smtClean="0"/>
-              <a:t> 퍼즐 생성</a:t>
+              <a:t> </a:t>
+            </a:r>
+            <a:r>
+              <a:rPr lang="ko-KR" altLang="en-US" sz="2000" dirty="0" smtClean="0"/>
+              <a:t>퍼즐 생성</a:t>
             </a:r>
             <a:endParaRPr lang="en-US" altLang="ko-KR" sz="2000" dirty="0" smtClean="0"/>
           </a:p>
@@ -15440,7 +17006,11 @@
             </a:r>
             <a:r>
               <a:rPr lang="ko-KR" altLang="en-US" sz="2000" dirty="0" smtClean="0"/>
-              <a:t>정답 입력 받기</a:t>
+              <a:t>정답 </a:t>
+            </a:r>
+            <a:r>
+              <a:rPr lang="ko-KR" altLang="en-US" sz="2000" dirty="0" smtClean="0"/>
+              <a:t>입력</a:t>
             </a:r>
             <a:endParaRPr lang="en-US" altLang="ko-KR" sz="2000" dirty="0" smtClean="0"/>
           </a:p>
@@ -15465,12 +17035,9 @@
               <a:rPr lang="ko-KR" altLang="en-US" sz="2000" dirty="0" smtClean="0"/>
               <a:t> </a:t>
             </a:r>
-            <a:endParaRPr lang="en-US" altLang="ko-KR" sz="2000" dirty="0" smtClean="0"/>
-          </a:p>
-          <a:p>
             <a:r>
               <a:rPr lang="ko-KR" altLang="en-US" sz="2000" dirty="0" smtClean="0"/>
-              <a:t>     다음 스테이지로 진행</a:t>
+              <a:t>다음 스테이지 진행</a:t>
             </a:r>
             <a:endParaRPr lang="en-US" altLang="ko-KR" sz="2000" dirty="0" smtClean="0"/>
           </a:p>
@@ -15517,8 +17084,8 @@
         </p:nvCxnSpPr>
         <p:spPr>
           <a:xfrm rot="5400000">
-            <a:off x="2274003" y="877206"/>
-            <a:ext cx="501874" cy="2426428"/>
+            <a:off x="2876242" y="1843430"/>
+            <a:ext cx="501874" cy="458471"/>
           </a:xfrm>
           <a:prstGeom prst="bentConnector3">
             <a:avLst/>
@@ -15553,7 +17120,7 @@
         </p:nvCxnSpPr>
         <p:spPr>
           <a:xfrm rot="16200000" flipH="1">
-            <a:off x="3727564" y="1850072"/>
+            <a:off x="3345824" y="1832317"/>
             <a:ext cx="501874" cy="480695"/>
           </a:xfrm>
           <a:prstGeom prst="bentConnector3">
@@ -15580,22 +17147,56 @@
       </p:cxnSp>
       <p:cxnSp>
         <p:nvCxnSpPr>
-          <p:cNvPr id="90" name="꺾인 연결선 89"/>
+          <p:cNvPr id="29" name="직선 화살표 연결선 28"/>
           <p:cNvCxnSpPr>
-            <a:stCxn id="10" idx="3"/>
+            <a:stCxn id="27" idx="1"/>
+            <a:endCxn id="28" idx="3"/>
+          </p:cNvCxnSpPr>
+          <p:nvPr/>
+        </p:nvCxnSpPr>
+        <p:spPr>
+          <a:xfrm flipH="1">
+            <a:off x="3174243" y="5564643"/>
+            <a:ext cx="1386403" cy="10160"/>
+          </a:xfrm>
+          <a:prstGeom prst="straightConnector1">
+            <a:avLst/>
+          </a:prstGeom>
+          <a:ln>
+            <a:tailEnd type="triangle"/>
+          </a:ln>
+        </p:spPr>
+        <p:style>
+          <a:lnRef idx="3">
+            <a:schemeClr val="dk1"/>
+          </a:lnRef>
+          <a:fillRef idx="0">
+            <a:schemeClr val="dk1"/>
+          </a:fillRef>
+          <a:effectRef idx="2">
+            <a:schemeClr val="dk1"/>
+          </a:effectRef>
+          <a:fontRef idx="minor">
+            <a:schemeClr val="tx1"/>
+          </a:fontRef>
+        </p:style>
+      </p:cxnSp>
+      <p:cxnSp>
+        <p:nvCxnSpPr>
+          <p:cNvPr id="36" name="꺾인 연결선 35"/>
+          <p:cNvCxnSpPr>
+            <a:stCxn id="22" idx="2"/>
             <a:endCxn id="27" idx="3"/>
           </p:cNvCxnSpPr>
           <p:nvPr/>
         </p:nvCxnSpPr>
         <p:spPr>
-          <a:xfrm>
-            <a:off x="4218849" y="1479326"/>
-            <a:ext cx="294640" cy="4113231"/>
+          <a:xfrm rot="5400000">
+            <a:off x="5156095" y="4847274"/>
+            <a:ext cx="711201" cy="723537"/>
           </a:xfrm>
-          <a:prstGeom prst="bentConnector3">
-            <a:avLst>
-              <a:gd name="adj1" fmla="val 960344"/>
-            </a:avLst>
+          <a:prstGeom prst="bentConnector2">
+            <a:avLst/>
           </a:prstGeom>
           <a:ln>
             <a:tailEnd type="triangle"/>
@@ -15632,7 +17233,7 @@
         <p14:prism/>
       </p:transition>
     </mc:Choice>
-    <mc:Fallback xmlns="" xmlns:m="http://schemas.openxmlformats.org/officeDocument/2006/math" xmlns:w="http://schemas.openxmlformats.org/wordprocessingml/2006/main" xmlns:wp="http://schemas.openxmlformats.org/drawingml/2006/wordprocessingDrawing" xmlns:a14="http://schemas.microsoft.com/office/drawing/2010/main" xmlns:p15="http://schemas.microsoft.com/office/powerpoint/2012/main" xmlns:p159="http://schemas.microsoft.com/office/powerpoint/2015/09/main">
+    <mc:Fallback xmlns:p159="http://schemas.microsoft.com/office/powerpoint/2015/09/main" xmlns:p15="http://schemas.microsoft.com/office/powerpoint/2012/main" xmlns:a14="http://schemas.microsoft.com/office/drawing/2010/main" xmlns:wp="http://schemas.openxmlformats.org/drawingml/2006/wordprocessingDrawing" xmlns:w="http://schemas.openxmlformats.org/wordprocessingml/2006/main" xmlns:m="http://schemas.openxmlformats.org/officeDocument/2006/math" xmlns="">
       <p:transition spd="slow" advTm="2000">
         <p:fade/>
       </p:transition>
@@ -15674,7 +17275,7 @@
         <p:spPr>
           <a:xfrm>
             <a:off x="857464" y="924359"/>
-            <a:ext cx="10119360" cy="5324535"/>
+            <a:ext cx="10119360" cy="5663089"/>
           </a:xfrm>
           <a:prstGeom prst="rect">
             <a:avLst/>
@@ -16025,106 +17626,7 @@
               </a:rPr>
               <a:t>.</a:t>
             </a:r>
-            <a:endParaRPr lang="en-US" altLang="ko-KR" sz="1600" dirty="0" smtClean="0">
-              <a:solidFill>
-                <a:srgbClr val="3B3F4E"/>
-              </a:solidFill>
-              <a:latin typeface="+mn-ea"/>
-            </a:endParaRPr>
-          </a:p>
-          <a:p>
-            <a:pPr lvl="0" eaLnBrk="0" fontAlgn="base" hangingPunct="0">
-              <a:spcBef>
-                <a:spcPct val="0"/>
-              </a:spcBef>
-              <a:spcAft>
-                <a:spcPct val="0"/>
-              </a:spcAft>
-              <a:buFontTx/>
-              <a:buAutoNum type="arabicPeriod" startAt="2"/>
-            </a:pPr>
             <a:endParaRPr lang="ko-KR" altLang="ko-KR" sz="1600" dirty="0">
-              <a:solidFill>
-                <a:srgbClr val="3B3F4E"/>
-              </a:solidFill>
-              <a:latin typeface="+mn-ea"/>
-            </a:endParaRPr>
-          </a:p>
-          <a:p>
-            <a:pPr lvl="0" eaLnBrk="0" fontAlgn="base" hangingPunct="0">
-              <a:spcBef>
-                <a:spcPct val="0"/>
-              </a:spcBef>
-              <a:spcAft>
-                <a:spcPct val="0"/>
-              </a:spcAft>
-              <a:buFontTx/>
-              <a:buAutoNum type="arabicPeriod" startAt="3"/>
-            </a:pPr>
-            <a:r>
-              <a:rPr lang="ko-KR" altLang="ko-KR" sz="1600" b="1" dirty="0">
-                <a:solidFill>
-                  <a:srgbClr val="FF0000"/>
-                </a:solidFill>
-                <a:latin typeface="+mn-ea"/>
-              </a:rPr>
-              <a:t>시간 측정 (Time </a:t>
-            </a:r>
-            <a:r>
-              <a:rPr lang="ko-KR" altLang="ko-KR" sz="1600" b="1" dirty="0" err="1">
-                <a:solidFill>
-                  <a:srgbClr val="FF0000"/>
-                </a:solidFill>
-                <a:latin typeface="+mn-ea"/>
-              </a:rPr>
-              <a:t>Measuring</a:t>
-            </a:r>
-            <a:r>
-              <a:rPr lang="ko-KR" altLang="ko-KR" sz="1600" b="1" dirty="0">
-                <a:solidFill>
-                  <a:srgbClr val="FF0000"/>
-                </a:solidFill>
-                <a:latin typeface="+mn-ea"/>
-              </a:rPr>
-              <a:t>)</a:t>
-            </a:r>
-            <a:r>
-              <a:rPr lang="ko-KR" altLang="ko-KR" sz="1600" dirty="0">
-                <a:solidFill>
-                  <a:srgbClr val="3B3F4E"/>
-                </a:solidFill>
-                <a:latin typeface="+mn-ea"/>
-              </a:rPr>
-              <a:t> : </a:t>
-            </a:r>
-            <a:r>
-              <a:rPr lang="ko-KR" altLang="ko-KR" sz="1600" dirty="0" smtClean="0">
-                <a:solidFill>
-                  <a:srgbClr val="3B3F4E"/>
-                </a:solidFill>
-                <a:latin typeface="+mn-ea"/>
-              </a:rPr>
-              <a:t>게임 </a:t>
-            </a:r>
-            <a:r>
-              <a:rPr lang="ko-KR" altLang="ko-KR" sz="1600" dirty="0">
-                <a:solidFill>
-                  <a:srgbClr val="3B3F4E"/>
-                </a:solidFill>
-                <a:latin typeface="+mn-ea"/>
-              </a:rPr>
-              <a:t>시작 시간과 종료 시간을 기록하고, 이를 이용해 게임에 걸린 시간을 계산합니다</a:t>
-            </a:r>
-            <a:r>
-              <a:rPr lang="ko-KR" altLang="ko-KR" sz="1600" dirty="0" smtClean="0">
-                <a:solidFill>
-                  <a:srgbClr val="3B3F4E"/>
-                </a:solidFill>
-                <a:latin typeface="+mn-ea"/>
-              </a:rPr>
-              <a:t>.</a:t>
-            </a:r>
-            <a:endParaRPr lang="en-US" altLang="ko-KR" sz="1600" dirty="0" smtClean="0">
               <a:solidFill>
                 <a:srgbClr val="3B3F4E"/>
               </a:solidFill>
@@ -16157,9 +17659,25 @@
               <a:spcAft>
                 <a:spcPct val="0"/>
               </a:spcAft>
-              <a:buFontTx/>
-              <a:buAutoNum type="arabicPeriod" startAt="4"/>
             </a:pPr>
+            <a:r>
+              <a:rPr lang="en-US" altLang="ko-KR" sz="1600" b="1" dirty="0" smtClean="0">
+                <a:solidFill>
+                  <a:srgbClr val="FF0000"/>
+                </a:solidFill>
+                <a:latin typeface="+mn-ea"/>
+              </a:rPr>
+              <a:t>3.</a:t>
+            </a:r>
+            <a:r>
+              <a:rPr lang="ko-KR" altLang="ko-KR" sz="1600" b="1" dirty="0" smtClean="0">
+                <a:solidFill>
+                  <a:srgbClr val="FF0000"/>
+                </a:solidFill>
+                <a:latin typeface="+mn-ea"/>
+              </a:rPr>
+              <a:t>입력 </a:t>
+            </a:r>
             <a:r>
               <a:rPr lang="ko-KR" altLang="ko-KR" sz="1600" b="1" dirty="0">
                 <a:solidFill>
@@ -16167,7 +17685,7 @@
                 </a:solidFill>
                 <a:latin typeface="+mn-ea"/>
               </a:rPr>
-              <a:t>입력 검증 (</a:t>
+              <a:t>검증 (</a:t>
             </a:r>
             <a:r>
               <a:rPr lang="ko-KR" altLang="ko-KR" sz="1600" b="1" dirty="0" err="1">
@@ -16328,9 +17846,25 @@
               <a:spcAft>
                 <a:spcPct val="0"/>
               </a:spcAft>
-              <a:buFontTx/>
-              <a:buAutoNum type="arabicPeriod" startAt="5"/>
             </a:pPr>
+            <a:r>
+              <a:rPr lang="en-US" altLang="ko-KR" sz="1600" b="1" dirty="0" smtClean="0">
+                <a:solidFill>
+                  <a:srgbClr val="FF0000"/>
+                </a:solidFill>
+                <a:latin typeface="+mn-ea"/>
+              </a:rPr>
+              <a:t>4.</a:t>
+            </a:r>
+            <a:r>
+              <a:rPr lang="ko-KR" altLang="ko-KR" sz="1600" b="1" dirty="0" smtClean="0">
+                <a:solidFill>
+                  <a:srgbClr val="FF0000"/>
+                </a:solidFill>
+                <a:latin typeface="+mn-ea"/>
+              </a:rPr>
+              <a:t>루프 </a:t>
+            </a:r>
             <a:r>
               <a:rPr lang="ko-KR" altLang="ko-KR" sz="1600" b="1" dirty="0">
                 <a:solidFill>
@@ -16338,7 +17872,7 @@
                 </a:solidFill>
                 <a:latin typeface="+mn-ea"/>
               </a:rPr>
-              <a:t>루프 (</a:t>
+              <a:t>(</a:t>
             </a:r>
             <a:r>
               <a:rPr lang="ko-KR" altLang="ko-KR" sz="1600" b="1" dirty="0" err="1">
@@ -16365,7 +17899,61 @@
                 </a:solidFill>
                 <a:latin typeface="+mn-ea"/>
               </a:rPr>
-              <a:t> : 게임의 다른 스테이지로 진행할 수 있도록 </a:t>
+              <a:t> : </a:t>
+            </a:r>
+            <a:r>
+              <a:rPr lang="ko-KR" altLang="ko-KR" sz="1600" dirty="0" smtClean="0">
+                <a:solidFill>
+                  <a:srgbClr val="3B3F4E"/>
+                </a:solidFill>
+                <a:latin typeface="+mn-ea"/>
+              </a:rPr>
+              <a:t>게임</a:t>
+            </a:r>
+            <a:r>
+              <a:rPr lang="ko-KR" altLang="en-US" sz="1600" dirty="0" smtClean="0">
+                <a:solidFill>
+                  <a:srgbClr val="3B3F4E"/>
+                </a:solidFill>
+                <a:latin typeface="+mn-ea"/>
+              </a:rPr>
+              <a:t>이 </a:t>
+            </a:r>
+            <a:r>
+              <a:rPr lang="ko-KR" altLang="ko-KR" sz="1600" dirty="0" smtClean="0">
+                <a:solidFill>
+                  <a:srgbClr val="3B3F4E"/>
+                </a:solidFill>
+                <a:latin typeface="+mn-ea"/>
+              </a:rPr>
+              <a:t>다</a:t>
+            </a:r>
+            <a:r>
+              <a:rPr lang="ko-KR" altLang="en-US" sz="1600" dirty="0" smtClean="0">
+                <a:solidFill>
+                  <a:srgbClr val="3B3F4E"/>
+                </a:solidFill>
+                <a:latin typeface="+mn-ea"/>
+              </a:rPr>
+              <a:t>음</a:t>
+            </a:r>
+            <a:r>
+              <a:rPr lang="ko-KR" altLang="ko-KR" sz="1600" dirty="0" smtClean="0">
+                <a:solidFill>
+                  <a:srgbClr val="3B3F4E"/>
+                </a:solidFill>
+                <a:latin typeface="+mn-ea"/>
+              </a:rPr>
+              <a:t> </a:t>
+            </a:r>
+            <a:r>
+              <a:rPr lang="ko-KR" altLang="ko-KR" sz="1600" dirty="0">
+                <a:solidFill>
+                  <a:srgbClr val="3B3F4E"/>
+                </a:solidFill>
+                <a:latin typeface="+mn-ea"/>
+              </a:rPr>
+              <a:t>스테이지로 진행할 수 있도록 </a:t>
             </a:r>
             <a:r>
               <a:rPr lang="ko-KR" altLang="ko-KR" sz="1600" dirty="0" err="1">
@@ -16445,11 +18033,18 @@
               <a:spcAft>
                 <a:spcPct val="0"/>
               </a:spcAft>
-              <a:buFontTx/>
-              <a:buAutoNum type="arabicPeriod" startAt="6"/>
             </a:pPr>
             <a:r>
-              <a:rPr lang="ko-KR" altLang="ko-KR" sz="1600" b="1" dirty="0" err="1">
+              <a:rPr lang="en-US" altLang="ko-KR" sz="1600" b="1" dirty="0" smtClean="0">
+                <a:solidFill>
+                  <a:srgbClr val="FF0000"/>
+                </a:solidFill>
+                <a:latin typeface="+mn-ea"/>
+              </a:rPr>
+              <a:t>5.</a:t>
+            </a:r>
+            <a:r>
+              <a:rPr lang="ko-KR" altLang="ko-KR" sz="1600" b="1" dirty="0" err="1" smtClean="0">
                 <a:solidFill>
                   <a:srgbClr val="FF0000"/>
                 </a:solidFill>
@@ -16458,13 +18053,22 @@
               <a:t>조건문</a:t>
             </a:r>
             <a:r>
+              <a:rPr lang="ko-KR" altLang="ko-KR" sz="1600" b="1" dirty="0" smtClean="0">
+                <a:solidFill>
+                  <a:srgbClr val="FF0000"/>
+                </a:solidFill>
+                <a:latin typeface="+mn-ea"/>
+              </a:rPr>
+              <a:t> </a:t>
+            </a:r>
+            <a:r>
               <a:rPr lang="ko-KR" altLang="ko-KR" sz="1600" b="1" dirty="0">
                 <a:solidFill>
                   <a:srgbClr val="FF0000"/>
                 </a:solidFill>
                 <a:latin typeface="+mn-ea"/>
               </a:rPr>
-              <a:t> (</a:t>
+              <a:t>(</a:t>
             </a:r>
             <a:r>
               <a:rPr lang="ko-KR" altLang="ko-KR" sz="1600" b="1" dirty="0" err="1">
@@ -16557,6 +18161,87 @@
               <a:t>.</a:t>
             </a:r>
             <a:endParaRPr lang="en-US" altLang="ko-KR" sz="1600" dirty="0" smtClean="0">
+              <a:solidFill>
+                <a:srgbClr val="3B3F4E"/>
+              </a:solidFill>
+              <a:latin typeface="+mn-ea"/>
+            </a:endParaRPr>
+          </a:p>
+          <a:p>
+            <a:pPr lvl="0" eaLnBrk="0" fontAlgn="base" hangingPunct="0">
+              <a:spcBef>
+                <a:spcPct val="0"/>
+              </a:spcBef>
+              <a:spcAft>
+                <a:spcPct val="0"/>
+              </a:spcAft>
+              <a:buFontTx/>
+              <a:buAutoNum type="arabicPeriod" startAt="6"/>
+            </a:pPr>
+            <a:endParaRPr lang="en-US" altLang="ko-KR" sz="1600" dirty="0" smtClean="0">
+              <a:solidFill>
+                <a:srgbClr val="3B3F4E"/>
+              </a:solidFill>
+              <a:latin typeface="+mn-ea"/>
+            </a:endParaRPr>
+          </a:p>
+          <a:p>
+            <a:pPr eaLnBrk="0" fontAlgn="base" hangingPunct="0">
+              <a:spcBef>
+                <a:spcPct val="0"/>
+              </a:spcBef>
+              <a:spcAft>
+                <a:spcPct val="0"/>
+              </a:spcAft>
+              <a:buFontTx/>
+              <a:buAutoNum type="arabicPeriod" startAt="6"/>
+            </a:pPr>
+            <a:r>
+              <a:rPr lang="ko-KR" altLang="ko-KR" sz="1600" b="1" dirty="0">
+                <a:solidFill>
+                  <a:srgbClr val="FF0000"/>
+                </a:solidFill>
+                <a:latin typeface="+mn-ea"/>
+              </a:rPr>
+              <a:t>시간 측정 (Time </a:t>
+            </a:r>
+            <a:r>
+              <a:rPr lang="ko-KR" altLang="ko-KR" sz="1600" b="1" dirty="0" err="1">
+                <a:solidFill>
+                  <a:srgbClr val="FF0000"/>
+                </a:solidFill>
+                <a:latin typeface="+mn-ea"/>
+              </a:rPr>
+              <a:t>Measuring</a:t>
+            </a:r>
+            <a:r>
+              <a:rPr lang="ko-KR" altLang="ko-KR" sz="1600" b="1" dirty="0">
+                <a:solidFill>
+                  <a:srgbClr val="FF0000"/>
+                </a:solidFill>
+                <a:latin typeface="+mn-ea"/>
+              </a:rPr>
+              <a:t>)</a:t>
+            </a:r>
+            <a:r>
+              <a:rPr lang="ko-KR" altLang="ko-KR" sz="1600" dirty="0">
+                <a:solidFill>
+                  <a:srgbClr val="3B3F4E"/>
+                </a:solidFill>
+                <a:latin typeface="+mn-ea"/>
+              </a:rPr>
+              <a:t> : 게임 시작 시간과 종료 시간을 기록하고, 이를 이용해 게임에 걸린 시간을 계산합니다</a:t>
+            </a:r>
+            <a:r>
+              <a:rPr lang="ko-KR" altLang="ko-KR" sz="1600" dirty="0" smtClean="0">
+                <a:solidFill>
+                  <a:srgbClr val="3B3F4E"/>
+                </a:solidFill>
+                <a:latin typeface="+mn-ea"/>
+              </a:rPr>
+              <a:t>.</a:t>
+            </a:r>
+            <a:endParaRPr lang="en-US" altLang="ko-KR" sz="1600" dirty="0">
               <a:solidFill>
                 <a:srgbClr val="3B3F4E"/>
               </a:solidFill>
@@ -16589,9 +18274,34 @@
               <a:spcAft>
                 <a:spcPct val="0"/>
               </a:spcAft>
-              <a:buFontTx/>
-              <a:buAutoNum type="arabicPeriod" startAt="7"/>
             </a:pPr>
+            <a:r>
+              <a:rPr lang="en-US" altLang="ko-KR" sz="1600" b="1" dirty="0">
+                <a:solidFill>
+                  <a:srgbClr val="FF0000"/>
+                </a:solidFill>
+                <a:latin typeface="+mn-ea"/>
+              </a:rPr>
+              <a:t>7</a:t>
+            </a:r>
+            <a:r>
+              <a:rPr lang="en-US" altLang="ko-KR" sz="1600" b="1" dirty="0" smtClean="0">
+                <a:solidFill>
+                  <a:srgbClr val="FF0000"/>
+                </a:solidFill>
+                <a:latin typeface="+mn-ea"/>
+              </a:rPr>
+              <a:t>.</a:t>
+            </a:r>
+            <a:r>
+              <a:rPr lang="ko-KR" altLang="ko-KR" sz="1600" b="1" dirty="0" smtClean="0">
+                <a:solidFill>
+                  <a:srgbClr val="FF0000"/>
+                </a:solidFill>
+                <a:latin typeface="+mn-ea"/>
+              </a:rPr>
+              <a:t>파일 </a:t>
+            </a:r>
             <a:r>
               <a:rPr lang="ko-KR" altLang="ko-KR" sz="1600" b="1" dirty="0">
                 <a:solidFill>
@@ -16599,7 +18309,7 @@
                 </a:solidFill>
                 <a:latin typeface="+mn-ea"/>
               </a:rPr>
-              <a:t>파일 입출력 (</a:t>
+              <a:t>입출력 (</a:t>
             </a:r>
             <a:r>
               <a:rPr lang="ko-KR" altLang="ko-KR" sz="1600" b="1" dirty="0" err="1">
@@ -16680,8 +18390,59 @@
                 </a:solidFill>
                 <a:latin typeface="+mn-ea"/>
               </a:rPr>
-              <a:t>결과를 파일에 기록합니다.</a:t>
-            </a:r>
+              <a:t>결과를 파일에 기록합니다</a:t>
+            </a:r>
+            <a:r>
+              <a:rPr lang="ko-KR" altLang="ko-KR" sz="1600" dirty="0" smtClean="0">
+                <a:solidFill>
+                  <a:srgbClr val="3B3F4E"/>
+                </a:solidFill>
+                <a:latin typeface="+mn-ea"/>
+              </a:rPr>
+              <a:t>.</a:t>
+            </a:r>
+            <a:endParaRPr lang="en-US" altLang="ko-KR" sz="1600" dirty="0" smtClean="0">
+              <a:solidFill>
+                <a:srgbClr val="3B3F4E"/>
+              </a:solidFill>
+              <a:latin typeface="+mn-ea"/>
+            </a:endParaRPr>
+          </a:p>
+          <a:p>
+            <a:pPr lvl="0" eaLnBrk="0" fontAlgn="base" hangingPunct="0">
+              <a:spcBef>
+                <a:spcPct val="0"/>
+              </a:spcBef>
+              <a:spcAft>
+                <a:spcPct val="0"/>
+              </a:spcAft>
+              <a:buFontTx/>
+              <a:buAutoNum type="arabicPeriod" startAt="7"/>
+            </a:pPr>
+            <a:endParaRPr lang="en-US" altLang="ko-KR" sz="1600" dirty="0">
+              <a:solidFill>
+                <a:srgbClr val="3B3F4E"/>
+              </a:solidFill>
+              <a:latin typeface="+mn-ea"/>
+            </a:endParaRPr>
+          </a:p>
+          <a:p>
+            <a:pPr lvl="0" eaLnBrk="0" fontAlgn="base" hangingPunct="0">
+              <a:spcBef>
+                <a:spcPct val="0"/>
+              </a:spcBef>
+              <a:spcAft>
+                <a:spcPct val="0"/>
+              </a:spcAft>
+              <a:buFontTx/>
+              <a:buAutoNum type="arabicPeriod" startAt="7"/>
+            </a:pPr>
+            <a:endParaRPr lang="ko-KR" altLang="ko-KR" sz="1600" dirty="0" smtClean="0">
+              <a:solidFill>
+                <a:srgbClr val="3B3F4E"/>
+              </a:solidFill>
+              <a:latin typeface="+mn-ea"/>
+            </a:endParaRPr>
           </a:p>
           <a:p>
             <a:endParaRPr lang="ko-KR" altLang="en-US" dirty="0"/>
@@ -16755,7 +18516,7 @@
         <p14:prism/>
       </p:transition>
     </mc:Choice>
-    <mc:Fallback xmlns="" xmlns:m="http://schemas.openxmlformats.org/officeDocument/2006/math" xmlns:w="http://schemas.openxmlformats.org/wordprocessingml/2006/main" xmlns:wp="http://schemas.openxmlformats.org/drawingml/2006/wordprocessingDrawing" xmlns:a14="http://schemas.microsoft.com/office/drawing/2010/main" xmlns:p15="http://schemas.microsoft.com/office/powerpoint/2012/main" xmlns:p159="http://schemas.microsoft.com/office/powerpoint/2015/09/main">
+    <mc:Fallback xmlns:p159="http://schemas.microsoft.com/office/powerpoint/2015/09/main" xmlns:p15="http://schemas.microsoft.com/office/powerpoint/2012/main" xmlns:a14="http://schemas.microsoft.com/office/drawing/2010/main" xmlns:wp="http://schemas.openxmlformats.org/drawingml/2006/wordprocessingDrawing" xmlns:w="http://schemas.openxmlformats.org/wordprocessingml/2006/main" xmlns:m="http://schemas.openxmlformats.org/officeDocument/2006/math" xmlns="">
       <p:transition spd="slow" advTm="2000">
         <p:fade/>
       </p:transition>
@@ -16829,15 +18590,7 @@
                 <a:ea typeface="NanumGothic"/>
                 <a:sym typeface="思源黑体旧字形 Light" panose="020B0300000000000000" pitchFamily="34" charset="-128"/>
               </a:rPr>
-              <a:t>(</a:t>
-            </a:r>
-            <a:r>
-              <a:rPr lang="en-US" altLang="ko-KR" sz="3200" b="1" dirty="0" smtClean="0">
-                <a:latin typeface="NanumGothic"/>
-                <a:ea typeface="NanumGothic"/>
-                <a:sym typeface="思源黑体旧字形 Light" panose="020B0300000000000000" pitchFamily="34" charset="-128"/>
-              </a:rPr>
-              <a:t>main)</a:t>
+              <a:t>(main)</a:t>
             </a:r>
             <a:endParaRPr lang="ko-KO" altLang="ko-KO" sz="3200" b="1" dirty="0">
               <a:latin typeface="NanumGothic"/>
@@ -16849,7 +18602,7 @@
       </p:sp>
       <p:pic>
         <p:nvPicPr>
-          <p:cNvPr id="4" name="그림 3"/>
+          <p:cNvPr id="6" name="그림 5"/>
           <p:cNvPicPr>
             <a:picLocks noChangeAspect="1"/>
           </p:cNvPicPr>
@@ -16857,13 +18610,13 @@
         </p:nvPicPr>
         <p:blipFill rotWithShape="1">
           <a:blip r:embed="rId2"/>
-          <a:srcRect r="29297"/>
+          <a:srcRect l="6147" t="61076" r="26438"/>
           <a:stretch/>
         </p:blipFill>
         <p:spPr>
           <a:xfrm>
-            <a:off x="857464" y="1322947"/>
-            <a:ext cx="5011491" cy="4227233"/>
+            <a:off x="6649374" y="2272467"/>
+            <a:ext cx="4860537" cy="2707907"/>
           </a:xfrm>
           <a:prstGeom prst="rect">
             <a:avLst/>
@@ -16872,7 +18625,7 @@
       </p:pic>
       <p:pic>
         <p:nvPicPr>
-          <p:cNvPr id="5" name="그림 4"/>
+          <p:cNvPr id="7" name="그림 6"/>
           <p:cNvPicPr>
             <a:picLocks noChangeAspect="1"/>
           </p:cNvPicPr>
@@ -16880,13 +18633,13 @@
         </p:nvPicPr>
         <p:blipFill rotWithShape="1">
           <a:blip r:embed="rId3"/>
-          <a:srcRect r="36388"/>
+          <a:srcRect r="1565"/>
           <a:stretch/>
         </p:blipFill>
         <p:spPr>
           <a:xfrm>
-            <a:off x="6344815" y="1322947"/>
-            <a:ext cx="4898573" cy="4230399"/>
+            <a:off x="672269" y="1904151"/>
+            <a:ext cx="5821128" cy="3444538"/>
           </a:xfrm>
           <a:prstGeom prst="rect">
             <a:avLst/>
@@ -16909,7 +18662,7 @@
         <p14:prism/>
       </p:transition>
     </mc:Choice>
-    <mc:Fallback xmlns="" xmlns:m="http://schemas.openxmlformats.org/officeDocument/2006/math" xmlns:w="http://schemas.openxmlformats.org/wordprocessingml/2006/main" xmlns:wp="http://schemas.openxmlformats.org/drawingml/2006/wordprocessingDrawing" xmlns:a14="http://schemas.microsoft.com/office/drawing/2010/main" xmlns:p15="http://schemas.microsoft.com/office/powerpoint/2012/main" xmlns:p159="http://schemas.microsoft.com/office/powerpoint/2015/09/main">
+    <mc:Fallback xmlns:p159="http://schemas.microsoft.com/office/powerpoint/2015/09/main" xmlns:p15="http://schemas.microsoft.com/office/powerpoint/2012/main" xmlns:a14="http://schemas.microsoft.com/office/drawing/2010/main" xmlns:wp="http://schemas.openxmlformats.org/drawingml/2006/wordprocessingDrawing" xmlns:w="http://schemas.openxmlformats.org/wordprocessingml/2006/main" xmlns:m="http://schemas.openxmlformats.org/officeDocument/2006/math" xmlns="">
       <p:transition spd="slow" advTm="2000">
         <p:fade/>
       </p:transition>
@@ -17019,13 +18772,13 @@
         </p:nvPicPr>
         <p:blipFill rotWithShape="1">
           <a:blip r:embed="rId2"/>
-          <a:srcRect r="42205" b="13812"/>
+          <a:srcRect r="38979" b="44077"/>
           <a:stretch/>
         </p:blipFill>
         <p:spPr>
           <a:xfrm>
-            <a:off x="857464" y="1229013"/>
-            <a:ext cx="5020822" cy="4236866"/>
+            <a:off x="1523289" y="1575058"/>
+            <a:ext cx="3510350" cy="4044970"/>
           </a:xfrm>
           <a:prstGeom prst="rect">
             <a:avLst/>
@@ -17041,14 +18794,14 @@
           <p:nvPr/>
         </p:nvPicPr>
         <p:blipFill rotWithShape="1">
-          <a:blip r:embed="rId3"/>
-          <a:srcRect r="24617"/>
+          <a:blip r:embed="rId2"/>
+          <a:srcRect t="57273"/>
           <a:stretch/>
         </p:blipFill>
         <p:spPr>
           <a:xfrm>
-            <a:off x="6410131" y="1229013"/>
-            <a:ext cx="5203248" cy="4236866"/>
+            <a:off x="5730837" y="2127594"/>
+            <a:ext cx="5538563" cy="3492434"/>
           </a:xfrm>
           <a:prstGeom prst="rect">
             <a:avLst/>
@@ -17058,7 +18811,7 @@
     </p:spTree>
     <p:extLst>
       <p:ext uri="{BB962C8B-B14F-4D97-AF65-F5344CB8AC3E}">
-        <p14:creationId xmlns:p14="http://schemas.microsoft.com/office/powerpoint/2010/main" val="2542307904"/>
+        <p14:creationId xmlns:p14="http://schemas.microsoft.com/office/powerpoint/2010/main" val="1022195561"/>
       </p:ext>
     </p:extLst>
   </p:cSld>
@@ -17071,7 +18824,7 @@
         <p14:prism/>
       </p:transition>
     </mc:Choice>
-    <mc:Fallback xmlns="" xmlns:m="http://schemas.openxmlformats.org/officeDocument/2006/math" xmlns:w="http://schemas.openxmlformats.org/wordprocessingml/2006/main" xmlns:wp="http://schemas.openxmlformats.org/drawingml/2006/wordprocessingDrawing" xmlns:a14="http://schemas.microsoft.com/office/drawing/2010/main" xmlns:p15="http://schemas.microsoft.com/office/powerpoint/2012/main" xmlns:p159="http://schemas.microsoft.com/office/powerpoint/2015/09/main">
+    <mc:Fallback xmlns:p159="http://schemas.microsoft.com/office/powerpoint/2015/09/main" xmlns:p15="http://schemas.microsoft.com/office/powerpoint/2012/main" xmlns:a14="http://schemas.microsoft.com/office/drawing/2010/main" xmlns:wp="http://schemas.openxmlformats.org/drawingml/2006/wordprocessingDrawing" xmlns:w="http://schemas.openxmlformats.org/wordprocessingml/2006/main" xmlns:m="http://schemas.openxmlformats.org/officeDocument/2006/math" xmlns="">
       <p:transition spd="slow" advTm="2000">
         <p:fade/>
       </p:transition>
